--- a/lectures/lec06/lec06.pptx
+++ b/lectures/lec06/lec06.pptx
@@ -33,10 +33,12 @@
     <p:sldId id="292" r:id="rId27"/>
     <p:sldId id="268" r:id="rId28"/>
     <p:sldId id="293" r:id="rId29"/>
-    <p:sldId id="269" r:id="rId30"/>
-    <p:sldId id="270" r:id="rId31"/>
-    <p:sldId id="271" r:id="rId32"/>
-    <p:sldId id="272" r:id="rId33"/>
+    <p:sldId id="295" r:id="rId30"/>
+    <p:sldId id="298" r:id="rId31"/>
+    <p:sldId id="296" r:id="rId32"/>
+    <p:sldId id="297" r:id="rId33"/>
+    <p:sldId id="271" r:id="rId34"/>
+    <p:sldId id="272" r:id="rId35"/>
   </p:sldIdLst>
   <p:sldSz cx="9144000" cy="6858000" type="screen4x3"/>
   <p:notesSz cx="6858000" cy="9144000"/>
@@ -168,8 +170,10 @@
             <p14:sldId id="292"/>
             <p14:sldId id="268"/>
             <p14:sldId id="293"/>
-            <p14:sldId id="269"/>
-            <p14:sldId id="270"/>
+            <p14:sldId id="295"/>
+            <p14:sldId id="298"/>
+            <p14:sldId id="296"/>
+            <p14:sldId id="297"/>
             <p14:sldId id="271"/>
             <p14:sldId id="272"/>
           </p14:sldIdLst>
@@ -378,7 +382,7 @@
           <a:p>
             <a:fld id="{5ECE4D60-05A1-A640-A7CD-C0D17F809990}" type="datetimeFigureOut">
               <a:rPr lang="en-US" smtClean="0"/>
-              <a:t>10/7/17</a:t>
+              <a:t>10/9/17</a:t>
             </a:fld>
             <a:endParaRPr lang="en-US"/>
           </a:p>
@@ -548,7 +552,7 @@
           <a:p>
             <a:fld id="{5ECE4D60-05A1-A640-A7CD-C0D17F809990}" type="datetimeFigureOut">
               <a:rPr lang="en-US" smtClean="0"/>
-              <a:t>10/7/17</a:t>
+              <a:t>10/9/17</a:t>
             </a:fld>
             <a:endParaRPr lang="en-US"/>
           </a:p>
@@ -728,7 +732,7 @@
           <a:p>
             <a:fld id="{5ECE4D60-05A1-A640-A7CD-C0D17F809990}" type="datetimeFigureOut">
               <a:rPr lang="en-US" smtClean="0"/>
-              <a:t>10/7/17</a:t>
+              <a:t>10/9/17</a:t>
             </a:fld>
             <a:endParaRPr lang="en-US"/>
           </a:p>
@@ -898,7 +902,7 @@
           <a:p>
             <a:fld id="{5ECE4D60-05A1-A640-A7CD-C0D17F809990}" type="datetimeFigureOut">
               <a:rPr lang="en-US" smtClean="0"/>
-              <a:t>10/7/17</a:t>
+              <a:t>10/9/17</a:t>
             </a:fld>
             <a:endParaRPr lang="en-US"/>
           </a:p>
@@ -1144,7 +1148,7 @@
           <a:p>
             <a:fld id="{5ECE4D60-05A1-A640-A7CD-C0D17F809990}" type="datetimeFigureOut">
               <a:rPr lang="en-US" smtClean="0"/>
-              <a:t>10/7/17</a:t>
+              <a:t>10/9/17</a:t>
             </a:fld>
             <a:endParaRPr lang="en-US"/>
           </a:p>
@@ -1432,7 +1436,7 @@
           <a:p>
             <a:fld id="{5ECE4D60-05A1-A640-A7CD-C0D17F809990}" type="datetimeFigureOut">
               <a:rPr lang="en-US" smtClean="0"/>
-              <a:t>10/7/17</a:t>
+              <a:t>10/9/17</a:t>
             </a:fld>
             <a:endParaRPr lang="en-US"/>
           </a:p>
@@ -1859,7 +1863,7 @@
           <a:p>
             <a:fld id="{5ECE4D60-05A1-A640-A7CD-C0D17F809990}" type="datetimeFigureOut">
               <a:rPr lang="en-US" smtClean="0"/>
-              <a:t>10/7/17</a:t>
+              <a:t>10/9/17</a:t>
             </a:fld>
             <a:endParaRPr lang="en-US"/>
           </a:p>
@@ -1977,7 +1981,7 @@
           <a:p>
             <a:fld id="{5ECE4D60-05A1-A640-A7CD-C0D17F809990}" type="datetimeFigureOut">
               <a:rPr lang="en-US" smtClean="0"/>
-              <a:t>10/7/17</a:t>
+              <a:t>10/9/17</a:t>
             </a:fld>
             <a:endParaRPr lang="en-US"/>
           </a:p>
@@ -2072,7 +2076,7 @@
           <a:p>
             <a:fld id="{5ECE4D60-05A1-A640-A7CD-C0D17F809990}" type="datetimeFigureOut">
               <a:rPr lang="en-US" smtClean="0"/>
-              <a:t>10/7/17</a:t>
+              <a:t>10/9/17</a:t>
             </a:fld>
             <a:endParaRPr lang="en-US"/>
           </a:p>
@@ -2349,7 +2353,7 @@
           <a:p>
             <a:fld id="{5ECE4D60-05A1-A640-A7CD-C0D17F809990}" type="datetimeFigureOut">
               <a:rPr lang="en-US" smtClean="0"/>
-              <a:t>10/7/17</a:t>
+              <a:t>10/9/17</a:t>
             </a:fld>
             <a:endParaRPr lang="en-US"/>
           </a:p>
@@ -2602,7 +2606,7 @@
           <a:p>
             <a:fld id="{5ECE4D60-05A1-A640-A7CD-C0D17F809990}" type="datetimeFigureOut">
               <a:rPr lang="en-US" smtClean="0"/>
-              <a:t>10/7/17</a:t>
+              <a:t>10/9/17</a:t>
             </a:fld>
             <a:endParaRPr lang="en-US"/>
           </a:p>
@@ -2815,7 +2819,7 @@
           <a:p>
             <a:fld id="{5ECE4D60-05A1-A640-A7CD-C0D17F809990}" type="datetimeFigureOut">
               <a:rPr lang="en-US" smtClean="0"/>
-              <a:t>10/7/17</a:t>
+              <a:t>10/9/17</a:t>
             </a:fld>
             <a:endParaRPr lang="en-US"/>
           </a:p>
@@ -3310,29 +3314,8 @@
                   <a:srgbClr val="118EB0"/>
                 </a:solidFill>
               </a:rPr>
-              <a:t>, methods</a:t>
-            </a:r>
-            <a:r>
-              <a:rPr lang="en-US" sz="2000" dirty="0" smtClean="0">
-                <a:solidFill>
-                  <a:srgbClr val="118EB0"/>
-                </a:solidFill>
-              </a:rPr>
-              <a:t>, </a:t>
-            </a:r>
-            <a:r>
-              <a:rPr lang="en-US" sz="2000" dirty="0" smtClean="0">
-                <a:solidFill>
-                  <a:srgbClr val="118EB0"/>
-                </a:solidFill>
-              </a:rPr>
-              <a:t>comments</a:t>
-            </a:r>
-            <a:endParaRPr lang="en-US" sz="2000" dirty="0" smtClean="0">
-              <a:solidFill>
-                <a:srgbClr val="118EB0"/>
-              </a:solidFill>
-            </a:endParaRPr>
+              <a:t>, methods, comments</a:t>
+            </a:r>
           </a:p>
           <a:p>
             <a:pPr algn="r"/>
@@ -3349,15 +3332,7 @@
                   <a:srgbClr val="000000"/>
                 </a:solidFill>
               </a:rPr>
-              <a:t>CS101 Lecture </a:t>
-            </a:r>
-            <a:r>
-              <a:rPr lang="en-US" sz="3600" dirty="0" smtClean="0">
-                <a:solidFill>
-                  <a:srgbClr val="000000"/>
-                </a:solidFill>
-              </a:rPr>
-              <a:t>#6</a:t>
+              <a:t>CS101 Lecture #6</a:t>
             </a:r>
             <a:endParaRPr lang="en-US" sz="4800" dirty="0">
               <a:solidFill>
@@ -3390,12 +3365,12 @@
           <a:lstStyle/>
           <a:p>
             <a:r>
-              <a:rPr lang="en-US" sz="1600" dirty="0" smtClean="0">
+              <a:rPr lang="en-US" sz="1600" smtClean="0">
                 <a:solidFill>
                   <a:srgbClr val="118EB0"/>
                 </a:solidFill>
               </a:rPr>
-              <a:t>2016-10-10</a:t>
+              <a:t>2016-10-12</a:t>
             </a:r>
             <a:endParaRPr lang="en-US" sz="1600" dirty="0">
               <a:solidFill>
@@ -3709,14 +3684,14 @@
       </p:sp>
       <p:sp>
         <p:nvSpPr>
-          <p:cNvPr id="6" name="Rectangle 5"/>
+          <p:cNvPr id="7" name="Rectangle 6"/>
           <p:cNvSpPr/>
           <p:nvPr/>
         </p:nvSpPr>
         <p:spPr>
           <a:xfrm>
             <a:off x="0" y="6451738"/>
-            <a:ext cx="705642" cy="276999"/>
+            <a:ext cx="790601" cy="276999"/>
           </a:xfrm>
           <a:prstGeom prst="rect">
             <a:avLst/>
@@ -3729,13 +3704,18 @@
           <a:lstStyle/>
           <a:p>
             <a:r>
-              <a:rPr lang="en-US" sz="1200" dirty="0">
+              <a:rPr lang="en-US" sz="1200" smtClean="0">
                 <a:solidFill>
                   <a:srgbClr val="118EB0"/>
                 </a:solidFill>
               </a:rPr>
-              <a:t>function</a:t>
-            </a:r>
+              <a:t>Functions</a:t>
+            </a:r>
+            <a:endParaRPr lang="en-US" sz="1200" dirty="0">
+              <a:solidFill>
+                <a:srgbClr val="118EB0"/>
+              </a:solidFill>
+            </a:endParaRPr>
           </a:p>
         </p:txBody>
       </p:sp>
@@ -3949,14 +3929,14 @@
       </p:sp>
       <p:sp>
         <p:nvSpPr>
-          <p:cNvPr id="6" name="Rectangle 5"/>
+          <p:cNvPr id="7" name="Rectangle 6"/>
           <p:cNvSpPr/>
           <p:nvPr/>
         </p:nvSpPr>
         <p:spPr>
           <a:xfrm>
             <a:off x="0" y="6451738"/>
-            <a:ext cx="705642" cy="276999"/>
+            <a:ext cx="790601" cy="276999"/>
           </a:xfrm>
           <a:prstGeom prst="rect">
             <a:avLst/>
@@ -3969,13 +3949,18 @@
           <a:lstStyle/>
           <a:p>
             <a:r>
-              <a:rPr lang="en-US" sz="1200" dirty="0">
+              <a:rPr lang="en-US" sz="1200" smtClean="0">
                 <a:solidFill>
                   <a:srgbClr val="118EB0"/>
                 </a:solidFill>
               </a:rPr>
-              <a:t>function</a:t>
-            </a:r>
+              <a:t>Functions</a:t>
+            </a:r>
+            <a:endParaRPr lang="en-US" sz="1200" dirty="0">
+              <a:solidFill>
+                <a:srgbClr val="118EB0"/>
+              </a:solidFill>
+            </a:endParaRPr>
           </a:p>
         </p:txBody>
       </p:sp>
@@ -4115,38 +4100,6 @@
       </p:sp>
       <p:sp>
         <p:nvSpPr>
-          <p:cNvPr id="6" name="Rectangle 5"/>
-          <p:cNvSpPr/>
-          <p:nvPr/>
-        </p:nvSpPr>
-        <p:spPr>
-          <a:xfrm>
-            <a:off x="0" y="6451738"/>
-            <a:ext cx="705642" cy="276999"/>
-          </a:xfrm>
-          <a:prstGeom prst="rect">
-            <a:avLst/>
-          </a:prstGeom>
-        </p:spPr>
-        <p:txBody>
-          <a:bodyPr wrap="none">
-            <a:spAutoFit/>
-          </a:bodyPr>
-          <a:lstStyle/>
-          <a:p>
-            <a:r>
-              <a:rPr lang="en-US" sz="1200" dirty="0">
-                <a:solidFill>
-                  <a:srgbClr val="118EB0"/>
-                </a:solidFill>
-              </a:rPr>
-              <a:t>function</a:t>
-            </a:r>
-          </a:p>
-        </p:txBody>
-      </p:sp>
-      <p:sp>
-        <p:nvSpPr>
           <p:cNvPr id="7" name="TextBox 6"/>
           <p:cNvSpPr txBox="1"/>
           <p:nvPr/>
@@ -4296,6 +4249,43 @@
               <a:latin typeface="Courier" charset="0"/>
               <a:ea typeface="Courier" charset="0"/>
               <a:cs typeface="Courier" charset="0"/>
+            </a:endParaRPr>
+          </a:p>
+        </p:txBody>
+      </p:sp>
+      <p:sp>
+        <p:nvSpPr>
+          <p:cNvPr id="9" name="Rectangle 8"/>
+          <p:cNvSpPr/>
+          <p:nvPr/>
+        </p:nvSpPr>
+        <p:spPr>
+          <a:xfrm>
+            <a:off x="0" y="6451738"/>
+            <a:ext cx="790601" cy="276999"/>
+          </a:xfrm>
+          <a:prstGeom prst="rect">
+            <a:avLst/>
+          </a:prstGeom>
+        </p:spPr>
+        <p:txBody>
+          <a:bodyPr wrap="none">
+            <a:spAutoFit/>
+          </a:bodyPr>
+          <a:lstStyle/>
+          <a:p>
+            <a:r>
+              <a:rPr lang="en-US" sz="1200" smtClean="0">
+                <a:solidFill>
+                  <a:srgbClr val="118EB0"/>
+                </a:solidFill>
+              </a:rPr>
+              <a:t>Functions</a:t>
+            </a:r>
+            <a:endParaRPr lang="en-US" sz="1200" dirty="0">
+              <a:solidFill>
+                <a:srgbClr val="118EB0"/>
+              </a:solidFill>
             </a:endParaRPr>
           </a:p>
         </p:txBody>
@@ -4429,38 +4419,6 @@
       </p:sp>
       <p:sp>
         <p:nvSpPr>
-          <p:cNvPr id="6" name="Rectangle 5"/>
-          <p:cNvSpPr/>
-          <p:nvPr/>
-        </p:nvSpPr>
-        <p:spPr>
-          <a:xfrm>
-            <a:off x="0" y="6451738"/>
-            <a:ext cx="705642" cy="276999"/>
-          </a:xfrm>
-          <a:prstGeom prst="rect">
-            <a:avLst/>
-          </a:prstGeom>
-        </p:spPr>
-        <p:txBody>
-          <a:bodyPr wrap="none">
-            <a:spAutoFit/>
-          </a:bodyPr>
-          <a:lstStyle/>
-          <a:p>
-            <a:r>
-              <a:rPr lang="en-US" sz="1200" dirty="0">
-                <a:solidFill>
-                  <a:srgbClr val="118EB0"/>
-                </a:solidFill>
-              </a:rPr>
-              <a:t>function</a:t>
-            </a:r>
-          </a:p>
-        </p:txBody>
-      </p:sp>
-      <p:sp>
-        <p:nvSpPr>
           <p:cNvPr id="7" name="TextBox 6"/>
           <p:cNvSpPr txBox="1"/>
           <p:nvPr/>
@@ -4673,6 +4631,43 @@
             <a:endParaRPr lang="en-US" dirty="0">
               <a:solidFill>
                 <a:srgbClr val="0070C0"/>
+              </a:solidFill>
+            </a:endParaRPr>
+          </a:p>
+        </p:txBody>
+      </p:sp>
+      <p:sp>
+        <p:nvSpPr>
+          <p:cNvPr id="9" name="Rectangle 8"/>
+          <p:cNvSpPr/>
+          <p:nvPr/>
+        </p:nvSpPr>
+        <p:spPr>
+          <a:xfrm>
+            <a:off x="0" y="6451738"/>
+            <a:ext cx="790601" cy="276999"/>
+          </a:xfrm>
+          <a:prstGeom prst="rect">
+            <a:avLst/>
+          </a:prstGeom>
+        </p:spPr>
+        <p:txBody>
+          <a:bodyPr wrap="none">
+            <a:spAutoFit/>
+          </a:bodyPr>
+          <a:lstStyle/>
+          <a:p>
+            <a:r>
+              <a:rPr lang="en-US" sz="1200" smtClean="0">
+                <a:solidFill>
+                  <a:srgbClr val="118EB0"/>
+                </a:solidFill>
+              </a:rPr>
+              <a:t>Functions</a:t>
+            </a:r>
+            <a:endParaRPr lang="en-US" sz="1200" dirty="0">
+              <a:solidFill>
+                <a:srgbClr val="118EB0"/>
               </a:solidFill>
             </a:endParaRPr>
           </a:p>
@@ -4807,38 +4802,6 @@
       </p:sp>
       <p:sp>
         <p:nvSpPr>
-          <p:cNvPr id="6" name="Rectangle 5"/>
-          <p:cNvSpPr/>
-          <p:nvPr/>
-        </p:nvSpPr>
-        <p:spPr>
-          <a:xfrm>
-            <a:off x="0" y="6451738"/>
-            <a:ext cx="705642" cy="276999"/>
-          </a:xfrm>
-          <a:prstGeom prst="rect">
-            <a:avLst/>
-          </a:prstGeom>
-        </p:spPr>
-        <p:txBody>
-          <a:bodyPr wrap="none">
-            <a:spAutoFit/>
-          </a:bodyPr>
-          <a:lstStyle/>
-          <a:p>
-            <a:r>
-              <a:rPr lang="en-US" sz="1200" dirty="0">
-                <a:solidFill>
-                  <a:srgbClr val="118EB0"/>
-                </a:solidFill>
-              </a:rPr>
-              <a:t>function</a:t>
-            </a:r>
-          </a:p>
-        </p:txBody>
-      </p:sp>
-      <p:sp>
-        <p:nvSpPr>
           <p:cNvPr id="7" name="TextBox 6"/>
           <p:cNvSpPr txBox="1"/>
           <p:nvPr/>
@@ -5059,6 +5022,43 @@
             <a:endParaRPr lang="en-US" dirty="0">
               <a:solidFill>
                 <a:srgbClr val="0070C0"/>
+              </a:solidFill>
+            </a:endParaRPr>
+          </a:p>
+        </p:txBody>
+      </p:sp>
+      <p:sp>
+        <p:nvSpPr>
+          <p:cNvPr id="9" name="Rectangle 8"/>
+          <p:cNvSpPr/>
+          <p:nvPr/>
+        </p:nvSpPr>
+        <p:spPr>
+          <a:xfrm>
+            <a:off x="0" y="6451738"/>
+            <a:ext cx="790601" cy="276999"/>
+          </a:xfrm>
+          <a:prstGeom prst="rect">
+            <a:avLst/>
+          </a:prstGeom>
+        </p:spPr>
+        <p:txBody>
+          <a:bodyPr wrap="none">
+            <a:spAutoFit/>
+          </a:bodyPr>
+          <a:lstStyle/>
+          <a:p>
+            <a:r>
+              <a:rPr lang="en-US" sz="1200" smtClean="0">
+                <a:solidFill>
+                  <a:srgbClr val="118EB0"/>
+                </a:solidFill>
+              </a:rPr>
+              <a:t>Functions</a:t>
+            </a:r>
+            <a:endParaRPr lang="en-US" sz="1200" dirty="0">
+              <a:solidFill>
+                <a:srgbClr val="118EB0"/>
               </a:solidFill>
             </a:endParaRPr>
           </a:p>
@@ -5193,38 +5193,6 @@
       </p:sp>
       <p:sp>
         <p:nvSpPr>
-          <p:cNvPr id="6" name="Rectangle 5"/>
-          <p:cNvSpPr/>
-          <p:nvPr/>
-        </p:nvSpPr>
-        <p:spPr>
-          <a:xfrm>
-            <a:off x="0" y="6451738"/>
-            <a:ext cx="705642" cy="276999"/>
-          </a:xfrm>
-          <a:prstGeom prst="rect">
-            <a:avLst/>
-          </a:prstGeom>
-        </p:spPr>
-        <p:txBody>
-          <a:bodyPr wrap="none">
-            <a:spAutoFit/>
-          </a:bodyPr>
-          <a:lstStyle/>
-          <a:p>
-            <a:r>
-              <a:rPr lang="en-US" sz="1200" dirty="0">
-                <a:solidFill>
-                  <a:srgbClr val="118EB0"/>
-                </a:solidFill>
-              </a:rPr>
-              <a:t>function</a:t>
-            </a:r>
-          </a:p>
-        </p:txBody>
-      </p:sp>
-      <p:sp>
-        <p:nvSpPr>
           <p:cNvPr id="7" name="TextBox 6"/>
           <p:cNvSpPr txBox="1"/>
           <p:nvPr/>
@@ -5432,6 +5400,43 @@
               </a:rPr>
               <a:t> doesn’t exist outside the function</a:t>
             </a:r>
+          </a:p>
+        </p:txBody>
+      </p:sp>
+      <p:sp>
+        <p:nvSpPr>
+          <p:cNvPr id="9" name="Rectangle 8"/>
+          <p:cNvSpPr/>
+          <p:nvPr/>
+        </p:nvSpPr>
+        <p:spPr>
+          <a:xfrm>
+            <a:off x="0" y="6451738"/>
+            <a:ext cx="790601" cy="276999"/>
+          </a:xfrm>
+          <a:prstGeom prst="rect">
+            <a:avLst/>
+          </a:prstGeom>
+        </p:spPr>
+        <p:txBody>
+          <a:bodyPr wrap="none">
+            <a:spAutoFit/>
+          </a:bodyPr>
+          <a:lstStyle/>
+          <a:p>
+            <a:r>
+              <a:rPr lang="en-US" sz="1200" smtClean="0">
+                <a:solidFill>
+                  <a:srgbClr val="118EB0"/>
+                </a:solidFill>
+              </a:rPr>
+              <a:t>Functions</a:t>
+            </a:r>
+            <a:endParaRPr lang="en-US" sz="1200" dirty="0">
+              <a:solidFill>
+                <a:srgbClr val="118EB0"/>
+              </a:solidFill>
+            </a:endParaRPr>
           </a:p>
         </p:txBody>
       </p:sp>
@@ -5564,38 +5569,6 @@
       </p:sp>
       <p:sp>
         <p:nvSpPr>
-          <p:cNvPr id="6" name="Rectangle 5"/>
-          <p:cNvSpPr/>
-          <p:nvPr/>
-        </p:nvSpPr>
-        <p:spPr>
-          <a:xfrm>
-            <a:off x="0" y="6451738"/>
-            <a:ext cx="705642" cy="276999"/>
-          </a:xfrm>
-          <a:prstGeom prst="rect">
-            <a:avLst/>
-          </a:prstGeom>
-        </p:spPr>
-        <p:txBody>
-          <a:bodyPr wrap="none">
-            <a:spAutoFit/>
-          </a:bodyPr>
-          <a:lstStyle/>
-          <a:p>
-            <a:r>
-              <a:rPr lang="en-US" sz="1200" dirty="0">
-                <a:solidFill>
-                  <a:srgbClr val="118EB0"/>
-                </a:solidFill>
-              </a:rPr>
-              <a:t>function</a:t>
-            </a:r>
-          </a:p>
-        </p:txBody>
-      </p:sp>
-      <p:sp>
-        <p:nvSpPr>
           <p:cNvPr id="7" name="TextBox 6"/>
           <p:cNvSpPr txBox="1"/>
           <p:nvPr/>
@@ -5790,6 +5763,43 @@
             <a:endParaRPr lang="en-US" b="1" dirty="0">
               <a:solidFill>
                 <a:srgbClr val="0070C0"/>
+              </a:solidFill>
+            </a:endParaRPr>
+          </a:p>
+        </p:txBody>
+      </p:sp>
+      <p:sp>
+        <p:nvSpPr>
+          <p:cNvPr id="9" name="Rectangle 8"/>
+          <p:cNvSpPr/>
+          <p:nvPr/>
+        </p:nvSpPr>
+        <p:spPr>
+          <a:xfrm>
+            <a:off x="0" y="6451738"/>
+            <a:ext cx="790601" cy="276999"/>
+          </a:xfrm>
+          <a:prstGeom prst="rect">
+            <a:avLst/>
+          </a:prstGeom>
+        </p:spPr>
+        <p:txBody>
+          <a:bodyPr wrap="none">
+            <a:spAutoFit/>
+          </a:bodyPr>
+          <a:lstStyle/>
+          <a:p>
+            <a:r>
+              <a:rPr lang="en-US" sz="1200" smtClean="0">
+                <a:solidFill>
+                  <a:srgbClr val="118EB0"/>
+                </a:solidFill>
+              </a:rPr>
+              <a:t>Functions</a:t>
+            </a:r>
+            <a:endParaRPr lang="en-US" sz="1200" dirty="0">
+              <a:solidFill>
+                <a:srgbClr val="118EB0"/>
               </a:solidFill>
             </a:endParaRPr>
           </a:p>
@@ -5924,38 +5934,6 @@
       </p:sp>
       <p:sp>
         <p:nvSpPr>
-          <p:cNvPr id="6" name="Rectangle 5"/>
-          <p:cNvSpPr/>
-          <p:nvPr/>
-        </p:nvSpPr>
-        <p:spPr>
-          <a:xfrm>
-            <a:off x="0" y="6451738"/>
-            <a:ext cx="705642" cy="276999"/>
-          </a:xfrm>
-          <a:prstGeom prst="rect">
-            <a:avLst/>
-          </a:prstGeom>
-        </p:spPr>
-        <p:txBody>
-          <a:bodyPr wrap="none">
-            <a:spAutoFit/>
-          </a:bodyPr>
-          <a:lstStyle/>
-          <a:p>
-            <a:r>
-              <a:rPr lang="en-US" sz="1200" dirty="0">
-                <a:solidFill>
-                  <a:srgbClr val="118EB0"/>
-                </a:solidFill>
-              </a:rPr>
-              <a:t>function</a:t>
-            </a:r>
-          </a:p>
-        </p:txBody>
-      </p:sp>
-      <p:sp>
-        <p:nvSpPr>
           <p:cNvPr id="7" name="TextBox 6"/>
           <p:cNvSpPr txBox="1"/>
           <p:nvPr/>
@@ -6193,6 +6171,43 @@
             <a:endParaRPr lang="en-US" dirty="0">
               <a:solidFill>
                 <a:srgbClr val="0070C0"/>
+              </a:solidFill>
+            </a:endParaRPr>
+          </a:p>
+        </p:txBody>
+      </p:sp>
+      <p:sp>
+        <p:nvSpPr>
+          <p:cNvPr id="9" name="Rectangle 8"/>
+          <p:cNvSpPr/>
+          <p:nvPr/>
+        </p:nvSpPr>
+        <p:spPr>
+          <a:xfrm>
+            <a:off x="0" y="6451738"/>
+            <a:ext cx="790601" cy="276999"/>
+          </a:xfrm>
+          <a:prstGeom prst="rect">
+            <a:avLst/>
+          </a:prstGeom>
+        </p:spPr>
+        <p:txBody>
+          <a:bodyPr wrap="none">
+            <a:spAutoFit/>
+          </a:bodyPr>
+          <a:lstStyle/>
+          <a:p>
+            <a:r>
+              <a:rPr lang="en-US" sz="1200" smtClean="0">
+                <a:solidFill>
+                  <a:srgbClr val="118EB0"/>
+                </a:solidFill>
+              </a:rPr>
+              <a:t>Functions</a:t>
+            </a:r>
+            <a:endParaRPr lang="en-US" sz="1200" dirty="0">
+              <a:solidFill>
+                <a:srgbClr val="118EB0"/>
               </a:solidFill>
             </a:endParaRPr>
           </a:p>
@@ -6364,43 +6379,6 @@
           <a:p>
             <a:pPr algn="ctr"/>
             <a:endParaRPr lang="en-US"/>
-          </a:p>
-        </p:txBody>
-      </p:sp>
-      <p:sp>
-        <p:nvSpPr>
-          <p:cNvPr id="6" name="Rectangle 5"/>
-          <p:cNvSpPr/>
-          <p:nvPr/>
-        </p:nvSpPr>
-        <p:spPr>
-          <a:xfrm>
-            <a:off x="0" y="6451738"/>
-            <a:ext cx="705642" cy="276999"/>
-          </a:xfrm>
-          <a:prstGeom prst="rect">
-            <a:avLst/>
-          </a:prstGeom>
-        </p:spPr>
-        <p:txBody>
-          <a:bodyPr wrap="none">
-            <a:spAutoFit/>
-          </a:bodyPr>
-          <a:lstStyle/>
-          <a:p>
-            <a:r>
-              <a:rPr lang="en-US" sz="1200" dirty="0" smtClean="0">
-                <a:solidFill>
-                  <a:srgbClr val="118EB0"/>
-                </a:solidFill>
-              </a:rPr>
-              <a:t>function</a:t>
-            </a:r>
-            <a:endParaRPr lang="en-US" sz="1200" dirty="0">
-              <a:solidFill>
-                <a:srgbClr val="118EB0"/>
-              </a:solidFill>
-            </a:endParaRPr>
           </a:p>
         </p:txBody>
       </p:sp>
@@ -6642,6 +6620,43 @@
           </a:p>
         </p:txBody>
       </p:sp>
+      <p:sp>
+        <p:nvSpPr>
+          <p:cNvPr id="9" name="Rectangle 8"/>
+          <p:cNvSpPr/>
+          <p:nvPr/>
+        </p:nvSpPr>
+        <p:spPr>
+          <a:xfrm>
+            <a:off x="0" y="6451738"/>
+            <a:ext cx="790601" cy="276999"/>
+          </a:xfrm>
+          <a:prstGeom prst="rect">
+            <a:avLst/>
+          </a:prstGeom>
+        </p:spPr>
+        <p:txBody>
+          <a:bodyPr wrap="none">
+            <a:spAutoFit/>
+          </a:bodyPr>
+          <a:lstStyle/>
+          <a:p>
+            <a:r>
+              <a:rPr lang="en-US" sz="1200" smtClean="0">
+                <a:solidFill>
+                  <a:srgbClr val="118EB0"/>
+                </a:solidFill>
+              </a:rPr>
+              <a:t>Functions</a:t>
+            </a:r>
+            <a:endParaRPr lang="en-US" sz="1200" dirty="0">
+              <a:solidFill>
+                <a:srgbClr val="118EB0"/>
+              </a:solidFill>
+            </a:endParaRPr>
+          </a:p>
+        </p:txBody>
+      </p:sp>
     </p:spTree>
     <p:extLst>
       <p:ext uri="{BB962C8B-B14F-4D97-AF65-F5344CB8AC3E}">
@@ -6778,43 +6793,6 @@
       </p:sp>
       <p:sp>
         <p:nvSpPr>
-          <p:cNvPr id="6" name="Rectangle 5"/>
-          <p:cNvSpPr/>
-          <p:nvPr/>
-        </p:nvSpPr>
-        <p:spPr>
-          <a:xfrm>
-            <a:off x="0" y="6451738"/>
-            <a:ext cx="705642" cy="276999"/>
-          </a:xfrm>
-          <a:prstGeom prst="rect">
-            <a:avLst/>
-          </a:prstGeom>
-        </p:spPr>
-        <p:txBody>
-          <a:bodyPr wrap="none">
-            <a:spAutoFit/>
-          </a:bodyPr>
-          <a:lstStyle/>
-          <a:p>
-            <a:r>
-              <a:rPr lang="en-US" sz="1200" dirty="0" smtClean="0">
-                <a:solidFill>
-                  <a:srgbClr val="118EB0"/>
-                </a:solidFill>
-              </a:rPr>
-              <a:t>function</a:t>
-            </a:r>
-            <a:endParaRPr lang="en-US" sz="1200" dirty="0">
-              <a:solidFill>
-                <a:srgbClr val="118EB0"/>
-              </a:solidFill>
-            </a:endParaRPr>
-          </a:p>
-        </p:txBody>
-      </p:sp>
-      <p:sp>
-        <p:nvSpPr>
           <p:cNvPr id="7" name="TextBox 6"/>
           <p:cNvSpPr txBox="1"/>
           <p:nvPr/>
@@ -7499,6 +7477,43 @@
               <a:latin typeface="Courier" charset="0"/>
               <a:ea typeface="Courier" charset="0"/>
               <a:cs typeface="Courier" charset="0"/>
+            </a:endParaRPr>
+          </a:p>
+        </p:txBody>
+      </p:sp>
+      <p:sp>
+        <p:nvSpPr>
+          <p:cNvPr id="9" name="Rectangle 8"/>
+          <p:cNvSpPr/>
+          <p:nvPr/>
+        </p:nvSpPr>
+        <p:spPr>
+          <a:xfrm>
+            <a:off x="0" y="6451738"/>
+            <a:ext cx="790601" cy="276999"/>
+          </a:xfrm>
+          <a:prstGeom prst="rect">
+            <a:avLst/>
+          </a:prstGeom>
+        </p:spPr>
+        <p:txBody>
+          <a:bodyPr wrap="none">
+            <a:spAutoFit/>
+          </a:bodyPr>
+          <a:lstStyle/>
+          <a:p>
+            <a:r>
+              <a:rPr lang="en-US" sz="1200" smtClean="0">
+                <a:solidFill>
+                  <a:srgbClr val="118EB0"/>
+                </a:solidFill>
+              </a:rPr>
+              <a:t>Functions</a:t>
+            </a:r>
+            <a:endParaRPr lang="en-US" sz="1200" dirty="0">
+              <a:solidFill>
+                <a:srgbClr val="118EB0"/>
+              </a:solidFill>
             </a:endParaRPr>
           </a:p>
         </p:txBody>
@@ -7838,43 +7853,6 @@
       </p:sp>
       <p:sp>
         <p:nvSpPr>
-          <p:cNvPr id="6" name="Rectangle 5"/>
-          <p:cNvSpPr/>
-          <p:nvPr/>
-        </p:nvSpPr>
-        <p:spPr>
-          <a:xfrm>
-            <a:off x="0" y="6451738"/>
-            <a:ext cx="705642" cy="276999"/>
-          </a:xfrm>
-          <a:prstGeom prst="rect">
-            <a:avLst/>
-          </a:prstGeom>
-        </p:spPr>
-        <p:txBody>
-          <a:bodyPr wrap="none">
-            <a:spAutoFit/>
-          </a:bodyPr>
-          <a:lstStyle/>
-          <a:p>
-            <a:r>
-              <a:rPr lang="en-US" sz="1200" dirty="0" smtClean="0">
-                <a:solidFill>
-                  <a:srgbClr val="118EB0"/>
-                </a:solidFill>
-              </a:rPr>
-              <a:t>function</a:t>
-            </a:r>
-            <a:endParaRPr lang="en-US" sz="1200" dirty="0">
-              <a:solidFill>
-                <a:srgbClr val="118EB0"/>
-              </a:solidFill>
-            </a:endParaRPr>
-          </a:p>
-        </p:txBody>
-      </p:sp>
-      <p:sp>
-        <p:nvSpPr>
           <p:cNvPr id="7" name="TextBox 6"/>
           <p:cNvSpPr txBox="1"/>
           <p:nvPr/>
@@ -7942,6 +7920,43 @@
           </a:prstGeom>
         </p:spPr>
       </p:pic>
+      <p:sp>
+        <p:nvSpPr>
+          <p:cNvPr id="8" name="Rectangle 7"/>
+          <p:cNvSpPr/>
+          <p:nvPr/>
+        </p:nvSpPr>
+        <p:spPr>
+          <a:xfrm>
+            <a:off x="0" y="6451738"/>
+            <a:ext cx="790601" cy="276999"/>
+          </a:xfrm>
+          <a:prstGeom prst="rect">
+            <a:avLst/>
+          </a:prstGeom>
+        </p:spPr>
+        <p:txBody>
+          <a:bodyPr wrap="none">
+            <a:spAutoFit/>
+          </a:bodyPr>
+          <a:lstStyle/>
+          <a:p>
+            <a:r>
+              <a:rPr lang="en-US" sz="1200" smtClean="0">
+                <a:solidFill>
+                  <a:srgbClr val="118EB0"/>
+                </a:solidFill>
+              </a:rPr>
+              <a:t>Functions</a:t>
+            </a:r>
+            <a:endParaRPr lang="en-US" sz="1200" dirty="0">
+              <a:solidFill>
+                <a:srgbClr val="118EB0"/>
+              </a:solidFill>
+            </a:endParaRPr>
+          </a:p>
+        </p:txBody>
+      </p:sp>
     </p:spTree>
     <p:extLst>
       <p:ext uri="{BB962C8B-B14F-4D97-AF65-F5344CB8AC3E}">
@@ -8129,38 +8144,6 @@
           </a:p>
         </p:txBody>
       </p:sp>
-      <p:sp>
-        <p:nvSpPr>
-          <p:cNvPr id="6" name="Rectangle 5"/>
-          <p:cNvSpPr/>
-          <p:nvPr/>
-        </p:nvSpPr>
-        <p:spPr>
-          <a:xfrm>
-            <a:off x="0" y="6451738"/>
-            <a:ext cx="705642" cy="276999"/>
-          </a:xfrm>
-          <a:prstGeom prst="rect">
-            <a:avLst/>
-          </a:prstGeom>
-        </p:spPr>
-        <p:txBody>
-          <a:bodyPr wrap="none">
-            <a:spAutoFit/>
-          </a:bodyPr>
-          <a:lstStyle/>
-          <a:p>
-            <a:r>
-              <a:rPr lang="en-US" sz="1200" dirty="0">
-                <a:solidFill>
-                  <a:srgbClr val="118EB0"/>
-                </a:solidFill>
-              </a:rPr>
-              <a:t>function</a:t>
-            </a:r>
-          </a:p>
-        </p:txBody>
-      </p:sp>
       <p:pic>
         <p:nvPicPr>
           <p:cNvPr id="2" name="Picture 1">
@@ -8193,6 +8176,43 @@
           </a:prstGeom>
         </p:spPr>
       </p:pic>
+      <p:sp>
+        <p:nvSpPr>
+          <p:cNvPr id="7" name="Rectangle 6"/>
+          <p:cNvSpPr/>
+          <p:nvPr/>
+        </p:nvSpPr>
+        <p:spPr>
+          <a:xfrm>
+            <a:off x="0" y="6451738"/>
+            <a:ext cx="790601" cy="276999"/>
+          </a:xfrm>
+          <a:prstGeom prst="rect">
+            <a:avLst/>
+          </a:prstGeom>
+        </p:spPr>
+        <p:txBody>
+          <a:bodyPr wrap="none">
+            <a:spAutoFit/>
+          </a:bodyPr>
+          <a:lstStyle/>
+          <a:p>
+            <a:r>
+              <a:rPr lang="en-US" sz="1200" smtClean="0">
+                <a:solidFill>
+                  <a:srgbClr val="118EB0"/>
+                </a:solidFill>
+              </a:rPr>
+              <a:t>Functions</a:t>
+            </a:r>
+            <a:endParaRPr lang="en-US" sz="1200" dirty="0">
+              <a:solidFill>
+                <a:srgbClr val="118EB0"/>
+              </a:solidFill>
+            </a:endParaRPr>
+          </a:p>
+        </p:txBody>
+      </p:sp>
     </p:spTree>
     <p:extLst>
       <p:ext uri="{BB962C8B-B14F-4D97-AF65-F5344CB8AC3E}">
@@ -8293,11 +8313,7 @@
             <a:pPr lvl="1"/>
             <a:r>
               <a:rPr lang="en-US" sz="2400" dirty="0" smtClean="0"/>
-              <a:t>1</a:t>
-            </a:r>
-            <a:r>
-              <a:rPr lang="en-US" sz="2400" dirty="0" smtClean="0"/>
-              <a:t>, 1, 2, 3, 5, 8, 13, </a:t>
+              <a:t>1, 1, 2, 3, 5, 8, 13, </a:t>
             </a:r>
             <a:r>
               <a:rPr lang="mr-IN" sz="2400" dirty="0" smtClean="0"/>
@@ -8356,11 +8372,7 @@
             </a:r>
             <a:r>
               <a:rPr lang="en-US" sz="4000" i="1" dirty="0" smtClean="0"/>
-              <a:t>After </a:t>
-            </a:r>
-            <a:r>
-              <a:rPr lang="en-US" sz="4000" i="1" dirty="0" smtClean="0"/>
-              <a:t>Class</a:t>
+              <a:t>After Class</a:t>
             </a:r>
             <a:endParaRPr lang="en-US" sz="4000" i="1" dirty="0"/>
           </a:p>
@@ -8413,14 +8425,14 @@
       </p:sp>
       <p:sp>
         <p:nvSpPr>
-          <p:cNvPr id="6" name="Rectangle 5"/>
+          <p:cNvPr id="7" name="Rectangle 6"/>
           <p:cNvSpPr/>
           <p:nvPr/>
         </p:nvSpPr>
         <p:spPr>
           <a:xfrm>
             <a:off x="0" y="6451738"/>
-            <a:ext cx="705642" cy="276999"/>
+            <a:ext cx="790601" cy="276999"/>
           </a:xfrm>
           <a:prstGeom prst="rect">
             <a:avLst/>
@@ -8433,13 +8445,18 @@
           <a:lstStyle/>
           <a:p>
             <a:r>
-              <a:rPr lang="en-US" sz="1200" dirty="0">
+              <a:rPr lang="en-US" sz="1200" smtClean="0">
                 <a:solidFill>
                   <a:srgbClr val="118EB0"/>
                 </a:solidFill>
               </a:rPr>
-              <a:t>function</a:t>
-            </a:r>
+              <a:t>Functions</a:t>
+            </a:r>
+            <a:endParaRPr lang="en-US" sz="1200" dirty="0">
+              <a:solidFill>
+                <a:srgbClr val="118EB0"/>
+              </a:solidFill>
+            </a:endParaRPr>
           </a:p>
         </p:txBody>
       </p:sp>
@@ -8824,32 +8841,34 @@
       </p:sp>
       <p:sp>
         <p:nvSpPr>
-          <p:cNvPr id="6" name="Rectangle 5"/>
-          <p:cNvSpPr/>
+          <p:cNvPr id="7" name="TextBox 6"/>
+          <p:cNvSpPr txBox="1"/>
           <p:nvPr/>
         </p:nvSpPr>
         <p:spPr>
           <a:xfrm>
-            <a:off x="0" y="6451738"/>
-            <a:ext cx="748923" cy="276999"/>
-          </a:xfrm>
-          <a:prstGeom prst="rect">
-            <a:avLst/>
-          </a:prstGeom>
-        </p:spPr>
-        <p:txBody>
-          <a:bodyPr wrap="none">
+            <a:off x="8869998" y="6453063"/>
+            <a:ext cx="262662" cy="276999"/>
+          </a:xfrm>
+          <a:prstGeom prst="rect">
+            <a:avLst/>
+          </a:prstGeom>
+          <a:noFill/>
+        </p:spPr>
+        <p:txBody>
+          <a:bodyPr wrap="none" rtlCol="0">
             <a:spAutoFit/>
           </a:bodyPr>
           <a:lstStyle/>
           <a:p>
+            <a:pPr algn="r"/>
             <a:r>
               <a:rPr lang="en-US" sz="1200" dirty="0" smtClean="0">
                 <a:solidFill>
                   <a:srgbClr val="118EB0"/>
                 </a:solidFill>
               </a:rPr>
-              <a:t>methods</a:t>
+              <a:t>1</a:t>
             </a:r>
             <a:endParaRPr lang="en-US" sz="1200" dirty="0">
               <a:solidFill>
@@ -8861,34 +8880,40 @@
       </p:sp>
       <p:sp>
         <p:nvSpPr>
-          <p:cNvPr id="7" name="TextBox 6"/>
-          <p:cNvSpPr txBox="1"/>
+          <p:cNvPr id="8" name="Rectangle 7"/>
+          <p:cNvSpPr/>
           <p:nvPr/>
         </p:nvSpPr>
         <p:spPr>
           <a:xfrm>
-            <a:off x="8869998" y="6453063"/>
-            <a:ext cx="262662" cy="276999"/>
-          </a:xfrm>
-          <a:prstGeom prst="rect">
-            <a:avLst/>
-          </a:prstGeom>
-          <a:noFill/>
-        </p:spPr>
-        <p:txBody>
-          <a:bodyPr wrap="none" rtlCol="0">
+            <a:off x="0" y="6451738"/>
+            <a:ext cx="746551" cy="276999"/>
+          </a:xfrm>
+          <a:prstGeom prst="rect">
+            <a:avLst/>
+          </a:prstGeom>
+        </p:spPr>
+        <p:txBody>
+          <a:bodyPr wrap="none">
             <a:spAutoFit/>
           </a:bodyPr>
           <a:lstStyle/>
           <a:p>
-            <a:pPr algn="r"/>
-            <a:r>
-              <a:rPr lang="en-US" sz="1200" dirty="0" smtClean="0">
+            <a:r>
+              <a:rPr lang="en-US" sz="1200" dirty="0">
                 <a:solidFill>
                   <a:srgbClr val="118EB0"/>
                 </a:solidFill>
               </a:rPr>
-              <a:t>1</a:t>
+              <a:t>M</a:t>
+            </a:r>
+            <a:r>
+              <a:rPr lang="en-US" sz="1200" smtClean="0">
+                <a:solidFill>
+                  <a:srgbClr val="118EB0"/>
+                </a:solidFill>
+              </a:rPr>
+              <a:t>ethods</a:t>
             </a:r>
             <a:endParaRPr lang="en-US" sz="1200" dirty="0">
               <a:solidFill>
@@ -9187,7 +9212,7 @@
         <p:spPr>
           <a:xfrm>
             <a:off x="0" y="6451738"/>
-            <a:ext cx="748923" cy="276999"/>
+            <a:ext cx="746551" cy="276999"/>
           </a:xfrm>
           <a:prstGeom prst="rect">
             <a:avLst/>
@@ -9199,13 +9224,21 @@
           </a:bodyPr>
           <a:lstStyle/>
           <a:p>
+            <a:r>
+              <a:rPr lang="en-US" sz="1200" dirty="0">
+                <a:solidFill>
+                  <a:srgbClr val="118EB0"/>
+                </a:solidFill>
+              </a:rPr>
+              <a:t>M</a:t>
+            </a:r>
             <a:r>
               <a:rPr lang="en-US" sz="1200" dirty="0" smtClean="0">
                 <a:solidFill>
                   <a:srgbClr val="118EB0"/>
                 </a:solidFill>
               </a:rPr>
-              <a:t>methods</a:t>
+              <a:t>ethods</a:t>
             </a:r>
             <a:endParaRPr lang="en-US" sz="1200" dirty="0">
               <a:solidFill>
@@ -9707,32 +9740,34 @@
       </p:sp>
       <p:sp>
         <p:nvSpPr>
-          <p:cNvPr id="6" name="Rectangle 5"/>
-          <p:cNvSpPr/>
+          <p:cNvPr id="7" name="TextBox 6"/>
+          <p:cNvSpPr txBox="1"/>
           <p:nvPr/>
         </p:nvSpPr>
         <p:spPr>
           <a:xfrm>
-            <a:off x="0" y="6451738"/>
-            <a:ext cx="1037664" cy="276999"/>
-          </a:xfrm>
-          <a:prstGeom prst="rect">
-            <a:avLst/>
-          </a:prstGeom>
-        </p:spPr>
-        <p:txBody>
-          <a:bodyPr wrap="none">
+            <a:off x="8869998" y="6453063"/>
+            <a:ext cx="262662" cy="276999"/>
+          </a:xfrm>
+          <a:prstGeom prst="rect">
+            <a:avLst/>
+          </a:prstGeom>
+          <a:noFill/>
+        </p:spPr>
+        <p:txBody>
+          <a:bodyPr wrap="none" rtlCol="0">
             <a:spAutoFit/>
           </a:bodyPr>
           <a:lstStyle/>
           <a:p>
+            <a:pPr algn="r"/>
             <a:r>
               <a:rPr lang="en-US" sz="1200" dirty="0" smtClean="0">
                 <a:solidFill>
                   <a:srgbClr val="118EB0"/>
                 </a:solidFill>
               </a:rPr>
-              <a:t>Administrivia</a:t>
+              <a:t>1</a:t>
             </a:r>
             <a:endParaRPr lang="en-US" sz="1200" dirty="0">
               <a:solidFill>
@@ -9744,34 +9779,40 @@
       </p:sp>
       <p:sp>
         <p:nvSpPr>
-          <p:cNvPr id="7" name="TextBox 6"/>
-          <p:cNvSpPr txBox="1"/>
+          <p:cNvPr id="8" name="Rectangle 7"/>
+          <p:cNvSpPr/>
           <p:nvPr/>
         </p:nvSpPr>
         <p:spPr>
           <a:xfrm>
-            <a:off x="8869998" y="6453063"/>
-            <a:ext cx="262662" cy="276999"/>
-          </a:xfrm>
-          <a:prstGeom prst="rect">
-            <a:avLst/>
-          </a:prstGeom>
-          <a:noFill/>
-        </p:spPr>
-        <p:txBody>
-          <a:bodyPr wrap="none" rtlCol="0">
+            <a:off x="0" y="6451738"/>
+            <a:ext cx="746551" cy="276999"/>
+          </a:xfrm>
+          <a:prstGeom prst="rect">
+            <a:avLst/>
+          </a:prstGeom>
+        </p:spPr>
+        <p:txBody>
+          <a:bodyPr wrap="none">
             <a:spAutoFit/>
           </a:bodyPr>
           <a:lstStyle/>
           <a:p>
-            <a:pPr algn="r"/>
-            <a:r>
-              <a:rPr lang="en-US" sz="1200" dirty="0" smtClean="0">
+            <a:r>
+              <a:rPr lang="en-US" sz="1200" dirty="0">
                 <a:solidFill>
                   <a:srgbClr val="118EB0"/>
                 </a:solidFill>
               </a:rPr>
-              <a:t>1</a:t>
+              <a:t>M</a:t>
+            </a:r>
+            <a:r>
+              <a:rPr lang="en-US" sz="1200" smtClean="0">
+                <a:solidFill>
+                  <a:srgbClr val="118EB0"/>
+                </a:solidFill>
+              </a:rPr>
+              <a:t>ethods</a:t>
             </a:r>
             <a:endParaRPr lang="en-US" sz="1200" dirty="0">
               <a:solidFill>
@@ -10113,66 +10154,79 @@
       </p:sp>
       <p:sp>
         <p:nvSpPr>
-          <p:cNvPr id="6" name="Rectangle 5"/>
-          <p:cNvSpPr/>
+          <p:cNvPr id="7" name="TextBox 6"/>
+          <p:cNvSpPr txBox="1"/>
           <p:nvPr/>
         </p:nvSpPr>
         <p:spPr>
           <a:xfrm>
-            <a:off x="0" y="6451738"/>
-            <a:ext cx="748923" cy="276999"/>
-          </a:xfrm>
-          <a:prstGeom prst="rect">
-            <a:avLst/>
-          </a:prstGeom>
-        </p:spPr>
-        <p:txBody>
-          <a:bodyPr wrap="none">
+            <a:off x="8869998" y="6453063"/>
+            <a:ext cx="262662" cy="276999"/>
+          </a:xfrm>
+          <a:prstGeom prst="rect">
+            <a:avLst/>
+          </a:prstGeom>
+          <a:noFill/>
+        </p:spPr>
+        <p:txBody>
+          <a:bodyPr wrap="none" rtlCol="0">
             <a:spAutoFit/>
           </a:bodyPr>
           <a:lstStyle/>
           <a:p>
+            <a:pPr algn="r"/>
             <a:r>
               <a:rPr lang="en-US" sz="1200" dirty="0" smtClean="0">
                 <a:solidFill>
                   <a:srgbClr val="118EB0"/>
                 </a:solidFill>
               </a:rPr>
-              <a:t>methods</a:t>
-            </a:r>
-          </a:p>
-        </p:txBody>
-      </p:sp>
-      <p:sp>
-        <p:nvSpPr>
-          <p:cNvPr id="7" name="TextBox 6"/>
-          <p:cNvSpPr txBox="1"/>
+              <a:t>1</a:t>
+            </a:r>
+            <a:endParaRPr lang="en-US" sz="1200" dirty="0">
+              <a:solidFill>
+                <a:srgbClr val="118EB0"/>
+              </a:solidFill>
+            </a:endParaRPr>
+          </a:p>
+        </p:txBody>
+      </p:sp>
+      <p:sp>
+        <p:nvSpPr>
+          <p:cNvPr id="8" name="Rectangle 7"/>
+          <p:cNvSpPr/>
           <p:nvPr/>
         </p:nvSpPr>
         <p:spPr>
           <a:xfrm>
-            <a:off x="8869998" y="6453063"/>
-            <a:ext cx="262662" cy="276999"/>
-          </a:xfrm>
-          <a:prstGeom prst="rect">
-            <a:avLst/>
-          </a:prstGeom>
-          <a:noFill/>
-        </p:spPr>
-        <p:txBody>
-          <a:bodyPr wrap="none" rtlCol="0">
+            <a:off x="0" y="6451738"/>
+            <a:ext cx="746551" cy="276999"/>
+          </a:xfrm>
+          <a:prstGeom prst="rect">
+            <a:avLst/>
+          </a:prstGeom>
+        </p:spPr>
+        <p:txBody>
+          <a:bodyPr wrap="none">
             <a:spAutoFit/>
           </a:bodyPr>
           <a:lstStyle/>
           <a:p>
-            <a:pPr algn="r"/>
-            <a:r>
-              <a:rPr lang="en-US" sz="1200" dirty="0" smtClean="0">
+            <a:r>
+              <a:rPr lang="en-US" sz="1200" dirty="0">
                 <a:solidFill>
                   <a:srgbClr val="118EB0"/>
                 </a:solidFill>
               </a:rPr>
-              <a:t>1</a:t>
+              <a:t>M</a:t>
+            </a:r>
+            <a:r>
+              <a:rPr lang="en-US" sz="1200" smtClean="0">
+                <a:solidFill>
+                  <a:srgbClr val="118EB0"/>
+                </a:solidFill>
+              </a:rPr>
+              <a:t>ethods</a:t>
             </a:r>
             <a:endParaRPr lang="en-US" sz="1200" dirty="0">
               <a:solidFill>
@@ -10645,32 +10699,34 @@
       </p:sp>
       <p:sp>
         <p:nvSpPr>
-          <p:cNvPr id="6" name="Rectangle 5"/>
-          <p:cNvSpPr/>
+          <p:cNvPr id="7" name="TextBox 6"/>
+          <p:cNvSpPr txBox="1"/>
           <p:nvPr/>
         </p:nvSpPr>
         <p:spPr>
           <a:xfrm>
-            <a:off x="0" y="6451738"/>
-            <a:ext cx="1037664" cy="276999"/>
-          </a:xfrm>
-          <a:prstGeom prst="rect">
-            <a:avLst/>
-          </a:prstGeom>
-        </p:spPr>
-        <p:txBody>
-          <a:bodyPr wrap="none">
+            <a:off x="8869998" y="6453063"/>
+            <a:ext cx="262662" cy="276999"/>
+          </a:xfrm>
+          <a:prstGeom prst="rect">
+            <a:avLst/>
+          </a:prstGeom>
+          <a:noFill/>
+        </p:spPr>
+        <p:txBody>
+          <a:bodyPr wrap="none" rtlCol="0">
             <a:spAutoFit/>
           </a:bodyPr>
           <a:lstStyle/>
           <a:p>
+            <a:pPr algn="r"/>
             <a:r>
               <a:rPr lang="en-US" sz="1200" dirty="0" smtClean="0">
                 <a:solidFill>
                   <a:srgbClr val="118EB0"/>
                 </a:solidFill>
               </a:rPr>
-              <a:t>Administrivia</a:t>
+              <a:t>1</a:t>
             </a:r>
             <a:endParaRPr lang="en-US" sz="1200" dirty="0">
               <a:solidFill>
@@ -10682,34 +10738,40 @@
       </p:sp>
       <p:sp>
         <p:nvSpPr>
-          <p:cNvPr id="7" name="TextBox 6"/>
-          <p:cNvSpPr txBox="1"/>
+          <p:cNvPr id="8" name="Rectangle 7"/>
+          <p:cNvSpPr/>
           <p:nvPr/>
         </p:nvSpPr>
         <p:spPr>
           <a:xfrm>
-            <a:off x="8869998" y="6453063"/>
-            <a:ext cx="262662" cy="276999"/>
-          </a:xfrm>
-          <a:prstGeom prst="rect">
-            <a:avLst/>
-          </a:prstGeom>
-          <a:noFill/>
-        </p:spPr>
-        <p:txBody>
-          <a:bodyPr wrap="none" rtlCol="0">
+            <a:off x="0" y="6451738"/>
+            <a:ext cx="746551" cy="276999"/>
+          </a:xfrm>
+          <a:prstGeom prst="rect">
+            <a:avLst/>
+          </a:prstGeom>
+        </p:spPr>
+        <p:txBody>
+          <a:bodyPr wrap="none">
             <a:spAutoFit/>
           </a:bodyPr>
           <a:lstStyle/>
           <a:p>
-            <a:pPr algn="r"/>
-            <a:r>
-              <a:rPr lang="en-US" sz="1200" dirty="0" smtClean="0">
+            <a:r>
+              <a:rPr lang="en-US" sz="1200" dirty="0">
                 <a:solidFill>
                   <a:srgbClr val="118EB0"/>
                 </a:solidFill>
               </a:rPr>
-              <a:t>1</a:t>
+              <a:t>M</a:t>
+            </a:r>
+            <a:r>
+              <a:rPr lang="en-US" sz="1200" smtClean="0">
+                <a:solidFill>
+                  <a:srgbClr val="118EB0"/>
+                </a:solidFill>
+              </a:rPr>
+              <a:t>ethods</a:t>
             </a:r>
             <a:endParaRPr lang="en-US" sz="1200" dirty="0">
               <a:solidFill>
@@ -10751,13 +10813,53 @@
       </p:grpSpPr>
       <p:sp>
         <p:nvSpPr>
+          <p:cNvPr id="3" name="Content Placeholder 2"/>
+          <p:cNvSpPr>
+            <a:spLocks noGrp="1"/>
+          </p:cNvSpPr>
+          <p:nvPr>
+            <p:ph idx="1"/>
+          </p:nvPr>
+        </p:nvSpPr>
+        <p:spPr/>
+        <p:txBody>
+          <a:bodyPr/>
+          <a:lstStyle/>
+          <a:p>
+            <a:pPr marL="0" marR="0" lvl="0" indent="0" defTabSz="914400" eaLnBrk="1" fontAlgn="auto" latinLnBrk="0" hangingPunct="1">
+              <a:lnSpc>
+                <a:spcPct val="100000"/>
+              </a:lnSpc>
+              <a:spcBef>
+                <a:spcPts val="0"/>
+              </a:spcBef>
+              <a:spcAft>
+                <a:spcPts val="0"/>
+              </a:spcAft>
+              <a:buClrTx/>
+              <a:buSzTx/>
+              <a:buFontTx/>
+              <a:buNone/>
+              <a:tabLst/>
+              <a:defRPr/>
+            </a:pPr>
+            <a:r>
+              <a:rPr lang="en-US" dirty="0" smtClean="0"/>
+              <a:t> </a:t>
+            </a:r>
+            <a:endParaRPr lang="en-US" dirty="0"/>
+          </a:p>
+        </p:txBody>
+      </p:sp>
+      <p:sp>
+        <p:nvSpPr>
           <p:cNvPr id="4" name="Rectangle 3"/>
           <p:cNvSpPr/>
           <p:nvPr/>
         </p:nvSpPr>
         <p:spPr>
           <a:xfrm>
-            <a:off x="0" y="2586816"/>
+            <a:off x="0" y="-7550"/>
             <a:ext cx="9144000" cy="1228835"/>
           </a:xfrm>
           <a:prstGeom prst="rect">
@@ -10789,12 +10891,15 @@
           <a:bodyPr rtlCol="0" anchor="ctr"/>
           <a:lstStyle/>
           <a:p>
-            <a:pPr algn="ctr"/>
-            <a:r>
-              <a:rPr lang="en-US" sz="4800" b="1" dirty="0" smtClean="0"/>
-              <a:t>Comments</a:t>
-            </a:r>
-            <a:endParaRPr lang="en-US" sz="4800" b="1" dirty="0"/>
+            <a:r>
+              <a:rPr lang="en-US" sz="4000" b="1" dirty="0" smtClean="0"/>
+              <a:t>   </a:t>
+            </a:r>
+            <a:r>
+              <a:rPr lang="en-US" sz="4000" i="1" dirty="0" smtClean="0"/>
+              <a:t>Example</a:t>
+            </a:r>
+            <a:endParaRPr lang="en-US" sz="4000" i="1" dirty="0"/>
           </a:p>
         </p:txBody>
       </p:sp>
@@ -10845,32 +10950,34 @@
       </p:sp>
       <p:sp>
         <p:nvSpPr>
-          <p:cNvPr id="6" name="Rectangle 5"/>
-          <p:cNvSpPr/>
+          <p:cNvPr id="7" name="TextBox 6"/>
+          <p:cNvSpPr txBox="1"/>
           <p:nvPr/>
         </p:nvSpPr>
         <p:spPr>
           <a:xfrm>
-            <a:off x="0" y="6451738"/>
-            <a:ext cx="864339" cy="276999"/>
-          </a:xfrm>
-          <a:prstGeom prst="rect">
-            <a:avLst/>
-          </a:prstGeom>
-        </p:spPr>
-        <p:txBody>
-          <a:bodyPr wrap="none">
+            <a:off x="8869998" y="6453063"/>
+            <a:ext cx="262662" cy="276999"/>
+          </a:xfrm>
+          <a:prstGeom prst="rect">
+            <a:avLst/>
+          </a:prstGeom>
+          <a:noFill/>
+        </p:spPr>
+        <p:txBody>
+          <a:bodyPr wrap="none" rtlCol="0">
             <a:spAutoFit/>
           </a:bodyPr>
           <a:lstStyle/>
           <a:p>
+            <a:pPr algn="r"/>
             <a:r>
               <a:rPr lang="en-US" sz="1200" dirty="0" smtClean="0">
                 <a:solidFill>
                   <a:srgbClr val="118EB0"/>
                 </a:solidFill>
               </a:rPr>
-              <a:t>Comments</a:t>
+              <a:t>1</a:t>
             </a:r>
             <a:endParaRPr lang="en-US" sz="1200" dirty="0">
               <a:solidFill>
@@ -10882,34 +10989,481 @@
       </p:sp>
       <p:sp>
         <p:nvSpPr>
-          <p:cNvPr id="7" name="TextBox 6"/>
+          <p:cNvPr id="8" name="Content Placeholder 2"/>
+          <p:cNvSpPr txBox="1">
+            <a:spLocks/>
+          </p:cNvSpPr>
+          <p:nvPr/>
+        </p:nvSpPr>
+        <p:spPr>
+          <a:xfrm>
+            <a:off x="457200" y="1600201"/>
+            <a:ext cx="8229600" cy="4842796"/>
+          </a:xfrm>
+          <a:prstGeom prst="rect">
+            <a:avLst/>
+          </a:prstGeom>
+        </p:spPr>
+        <p:txBody>
+          <a:bodyPr vert="horz" lIns="91440" tIns="45720" rIns="91440" bIns="45720" rtlCol="0">
+            <a:normAutofit/>
+          </a:bodyPr>
+          <a:lstStyle>
+            <a:lvl1pPr marL="342900" indent="-342900" algn="l" defTabSz="457200" rtl="0" eaLnBrk="1" latinLnBrk="0" hangingPunct="1">
+              <a:spcBef>
+                <a:spcPct val="20000"/>
+              </a:spcBef>
+              <a:buFont typeface="Arial"/>
+              <a:buChar char="•"/>
+              <a:defRPr sz="3200" kern="1200">
+                <a:solidFill>
+                  <a:schemeClr val="tx1"/>
+                </a:solidFill>
+                <a:latin typeface="+mn-lt"/>
+                <a:ea typeface="+mn-ea"/>
+                <a:cs typeface="+mn-cs"/>
+              </a:defRPr>
+            </a:lvl1pPr>
+            <a:lvl2pPr marL="742950" indent="-285750" algn="l" defTabSz="457200" rtl="0" eaLnBrk="1" latinLnBrk="0" hangingPunct="1">
+              <a:spcBef>
+                <a:spcPct val="20000"/>
+              </a:spcBef>
+              <a:buFont typeface="Arial"/>
+              <a:buChar char="–"/>
+              <a:defRPr sz="2800" kern="1200">
+                <a:solidFill>
+                  <a:schemeClr val="tx1"/>
+                </a:solidFill>
+                <a:latin typeface="+mn-lt"/>
+                <a:ea typeface="+mn-ea"/>
+                <a:cs typeface="+mn-cs"/>
+              </a:defRPr>
+            </a:lvl2pPr>
+            <a:lvl3pPr marL="1143000" indent="-228600" algn="l" defTabSz="457200" rtl="0" eaLnBrk="1" latinLnBrk="0" hangingPunct="1">
+              <a:spcBef>
+                <a:spcPct val="20000"/>
+              </a:spcBef>
+              <a:buFont typeface="Arial"/>
+              <a:buChar char="•"/>
+              <a:defRPr sz="2400" kern="1200">
+                <a:solidFill>
+                  <a:schemeClr val="tx1"/>
+                </a:solidFill>
+                <a:latin typeface="+mn-lt"/>
+                <a:ea typeface="+mn-ea"/>
+                <a:cs typeface="+mn-cs"/>
+              </a:defRPr>
+            </a:lvl3pPr>
+            <a:lvl4pPr marL="1600200" indent="-228600" algn="l" defTabSz="457200" rtl="0" eaLnBrk="1" latinLnBrk="0" hangingPunct="1">
+              <a:spcBef>
+                <a:spcPct val="20000"/>
+              </a:spcBef>
+              <a:buFont typeface="Arial"/>
+              <a:buChar char="–"/>
+              <a:defRPr sz="2000" kern="1200">
+                <a:solidFill>
+                  <a:schemeClr val="tx1"/>
+                </a:solidFill>
+                <a:latin typeface="+mn-lt"/>
+                <a:ea typeface="+mn-ea"/>
+                <a:cs typeface="+mn-cs"/>
+              </a:defRPr>
+            </a:lvl4pPr>
+            <a:lvl5pPr marL="2057400" indent="-228600" algn="l" defTabSz="457200" rtl="0" eaLnBrk="1" latinLnBrk="0" hangingPunct="1">
+              <a:spcBef>
+                <a:spcPct val="20000"/>
+              </a:spcBef>
+              <a:buFont typeface="Arial"/>
+              <a:buChar char="»"/>
+              <a:defRPr sz="2000" kern="1200">
+                <a:solidFill>
+                  <a:schemeClr val="tx1"/>
+                </a:solidFill>
+                <a:latin typeface="+mn-lt"/>
+                <a:ea typeface="+mn-ea"/>
+                <a:cs typeface="+mn-cs"/>
+              </a:defRPr>
+            </a:lvl5pPr>
+            <a:lvl6pPr marL="2514600" indent="-228600" algn="l" defTabSz="457200" rtl="0" eaLnBrk="1" latinLnBrk="0" hangingPunct="1">
+              <a:spcBef>
+                <a:spcPct val="20000"/>
+              </a:spcBef>
+              <a:buFont typeface="Arial"/>
+              <a:buChar char="•"/>
+              <a:defRPr sz="2000" kern="1200">
+                <a:solidFill>
+                  <a:schemeClr val="tx1"/>
+                </a:solidFill>
+                <a:latin typeface="+mn-lt"/>
+                <a:ea typeface="+mn-ea"/>
+                <a:cs typeface="+mn-cs"/>
+              </a:defRPr>
+            </a:lvl6pPr>
+            <a:lvl7pPr marL="2971800" indent="-228600" algn="l" defTabSz="457200" rtl="0" eaLnBrk="1" latinLnBrk="0" hangingPunct="1">
+              <a:spcBef>
+                <a:spcPct val="20000"/>
+              </a:spcBef>
+              <a:buFont typeface="Arial"/>
+              <a:buChar char="•"/>
+              <a:defRPr sz="2000" kern="1200">
+                <a:solidFill>
+                  <a:schemeClr val="tx1"/>
+                </a:solidFill>
+                <a:latin typeface="+mn-lt"/>
+                <a:ea typeface="+mn-ea"/>
+                <a:cs typeface="+mn-cs"/>
+              </a:defRPr>
+            </a:lvl7pPr>
+            <a:lvl8pPr marL="3429000" indent="-228600" algn="l" defTabSz="457200" rtl="0" eaLnBrk="1" latinLnBrk="0" hangingPunct="1">
+              <a:spcBef>
+                <a:spcPct val="20000"/>
+              </a:spcBef>
+              <a:buFont typeface="Arial"/>
+              <a:buChar char="•"/>
+              <a:defRPr sz="2000" kern="1200">
+                <a:solidFill>
+                  <a:schemeClr val="tx1"/>
+                </a:solidFill>
+                <a:latin typeface="+mn-lt"/>
+                <a:ea typeface="+mn-ea"/>
+                <a:cs typeface="+mn-cs"/>
+              </a:defRPr>
+            </a:lvl8pPr>
+            <a:lvl9pPr marL="3886200" indent="-228600" algn="l" defTabSz="457200" rtl="0" eaLnBrk="1" latinLnBrk="0" hangingPunct="1">
+              <a:spcBef>
+                <a:spcPct val="20000"/>
+              </a:spcBef>
+              <a:buFont typeface="Arial"/>
+              <a:buChar char="•"/>
+              <a:defRPr sz="2000" kern="1200">
+                <a:solidFill>
+                  <a:schemeClr val="tx1"/>
+                </a:solidFill>
+                <a:latin typeface="+mn-lt"/>
+                <a:ea typeface="+mn-ea"/>
+                <a:cs typeface="+mn-cs"/>
+              </a:defRPr>
+            </a:lvl9pPr>
+          </a:lstStyle>
+          <a:p>
+            <a:pPr defTabSz="914400">
+              <a:spcBef>
+                <a:spcPts val="0"/>
+              </a:spcBef>
+            </a:pPr>
+            <a:endParaRPr lang="en-US" dirty="0"/>
+          </a:p>
+        </p:txBody>
+      </p:sp>
+      <p:sp>
+        <p:nvSpPr>
+          <p:cNvPr id="9" name="TextBox 8"/>
           <p:cNvSpPr txBox="1"/>
           <p:nvPr/>
         </p:nvSpPr>
         <p:spPr>
           <a:xfrm>
-            <a:off x="8869998" y="6453063"/>
-            <a:ext cx="262662" cy="276999"/>
+            <a:off x="747431" y="1354803"/>
+            <a:ext cx="7649137" cy="5016758"/>
           </a:xfrm>
           <a:prstGeom prst="rect">
             <a:avLst/>
           </a:prstGeom>
           <a:noFill/>
-        </p:spPr>
-        <p:txBody>
-          <a:bodyPr wrap="none" rtlCol="0">
+          <a:ln>
+            <a:noFill/>
+          </a:ln>
+        </p:spPr>
+        <p:txBody>
+          <a:bodyPr wrap="square" rtlCol="0">
             <a:spAutoFit/>
           </a:bodyPr>
           <a:lstStyle/>
           <a:p>
-            <a:pPr algn="r"/>
-            <a:r>
-              <a:rPr lang="en-US" sz="1200" dirty="0" smtClean="0">
+            <a:r>
+              <a:rPr lang="en-US" sz="3200" dirty="0" smtClean="0">
+                <a:latin typeface="Courier" charset="0"/>
+                <a:ea typeface="Courier" charset="0"/>
+                <a:cs typeface="Courier" charset="0"/>
+              </a:rPr>
+              <a:t>def fun(a):</a:t>
+            </a:r>
+          </a:p>
+          <a:p>
+            <a:r>
+              <a:rPr lang="en-US" sz="3200" dirty="0">
+                <a:latin typeface="Courier" charset="0"/>
+                <a:ea typeface="Courier" charset="0"/>
+                <a:cs typeface="Courier" charset="0"/>
+              </a:rPr>
+              <a:t>	</a:t>
+            </a:r>
+            <a:r>
+              <a:rPr lang="en-US" sz="3200" dirty="0" smtClean="0">
+                <a:latin typeface="Courier" charset="0"/>
+                <a:ea typeface="Courier" charset="0"/>
+                <a:cs typeface="Courier" charset="0"/>
+              </a:rPr>
+              <a:t>return </a:t>
+            </a:r>
+            <a:r>
+              <a:rPr lang="en-US" sz="3200" dirty="0" err="1" smtClean="0">
+                <a:latin typeface="Courier" charset="0"/>
+                <a:ea typeface="Courier" charset="0"/>
+                <a:cs typeface="Courier" charset="0"/>
+              </a:rPr>
+              <a:t>m.title</a:t>
+            </a:r>
+            <a:r>
+              <a:rPr lang="en-US" sz="3200" dirty="0" smtClean="0">
+                <a:latin typeface="Courier" charset="0"/>
+                <a:ea typeface="Courier" charset="0"/>
+                <a:cs typeface="Courier" charset="0"/>
+              </a:rPr>
+              <a:t>().</a:t>
+            </a:r>
+            <a:r>
+              <a:rPr lang="en-US" sz="3200" dirty="0" err="1" smtClean="0">
+                <a:latin typeface="Courier" charset="0"/>
+                <a:ea typeface="Courier" charset="0"/>
+                <a:cs typeface="Courier" charset="0"/>
+              </a:rPr>
+              <a:t>swapcase</a:t>
+            </a:r>
+            <a:r>
+              <a:rPr lang="en-US" sz="3200" dirty="0" smtClean="0">
+                <a:latin typeface="Courier" charset="0"/>
+                <a:ea typeface="Courier" charset="0"/>
+                <a:cs typeface="Courier" charset="0"/>
+              </a:rPr>
+              <a:t>()</a:t>
+            </a:r>
+          </a:p>
+          <a:p>
+            <a:endParaRPr lang="en-US" sz="3200" dirty="0">
+              <a:latin typeface="Courier" charset="0"/>
+              <a:ea typeface="Courier" charset="0"/>
+              <a:cs typeface="Courier" charset="0"/>
+            </a:endParaRPr>
+          </a:p>
+          <a:p>
+            <a:r>
+              <a:rPr lang="en-US" sz="3200" dirty="0">
+                <a:latin typeface="Courier" charset="0"/>
+                <a:ea typeface="Courier" charset="0"/>
+                <a:cs typeface="Courier" charset="0"/>
+              </a:rPr>
+              <a:t>x</a:t>
+            </a:r>
+            <a:r>
+              <a:rPr lang="en-US" sz="3200" dirty="0" smtClean="0">
+                <a:latin typeface="Courier" charset="0"/>
+                <a:ea typeface="Courier" charset="0"/>
+                <a:cs typeface="Courier" charset="0"/>
+              </a:rPr>
+              <a:t> = fun(‘</a:t>
+            </a:r>
+            <a:r>
+              <a:rPr lang="en-US" sz="3200" dirty="0" err="1" smtClean="0">
+                <a:latin typeface="Courier" charset="0"/>
+                <a:ea typeface="Courier" charset="0"/>
+                <a:cs typeface="Courier" charset="0"/>
+              </a:rPr>
+              <a:t>abb</a:t>
+            </a:r>
+            <a:r>
+              <a:rPr lang="en-US" sz="3200" dirty="0" smtClean="0">
+                <a:latin typeface="Courier" charset="0"/>
+                <a:ea typeface="Courier" charset="0"/>
+                <a:cs typeface="Courier" charset="0"/>
+              </a:rPr>
+              <a:t>’)+fun</a:t>
+            </a:r>
+            <a:r>
+              <a:rPr lang="en-US" sz="3200" dirty="0" smtClean="0">
+                <a:latin typeface="Courier" charset="0"/>
+                <a:ea typeface="Courier" charset="0"/>
+                <a:cs typeface="Courier" charset="0"/>
+              </a:rPr>
+              <a:t>(‘</a:t>
+            </a:r>
+            <a:r>
+              <a:rPr lang="en-US" sz="3200" dirty="0" err="1" smtClean="0">
+                <a:latin typeface="Courier" charset="0"/>
+                <a:ea typeface="Courier" charset="0"/>
+                <a:cs typeface="Courier" charset="0"/>
+              </a:rPr>
+              <a:t>acab</a:t>
+            </a:r>
+            <a:r>
+              <a:rPr lang="en-US" sz="3200" dirty="0" smtClean="0">
+                <a:latin typeface="Courier" charset="0"/>
+                <a:ea typeface="Courier" charset="0"/>
+                <a:cs typeface="Courier" charset="0"/>
+              </a:rPr>
+              <a:t>’)</a:t>
+            </a:r>
+          </a:p>
+          <a:p>
+            <a:endParaRPr lang="en-US" sz="3200" dirty="0">
+              <a:latin typeface="Courier" charset="0"/>
+              <a:ea typeface="Courier" charset="0"/>
+              <a:cs typeface="Courier" charset="0"/>
+            </a:endParaRPr>
+          </a:p>
+          <a:p>
+            <a:r>
+              <a:rPr lang="en-US" sz="3200" dirty="0" smtClean="0">
+                <a:ea typeface="Courier" charset="0"/>
+                <a:cs typeface="Courier" charset="0"/>
+              </a:rPr>
+              <a:t>What is the value of x?</a:t>
+            </a:r>
+          </a:p>
+          <a:p>
+            <a:r>
+              <a:rPr lang="en-US" sz="3200" dirty="0">
+                <a:ea typeface="Courier" charset="0"/>
+                <a:cs typeface="Courier" charset="0"/>
+              </a:rPr>
+              <a:t> </a:t>
+            </a:r>
+            <a:r>
+              <a:rPr lang="en-US" sz="3200" dirty="0" smtClean="0">
+                <a:ea typeface="Courier" charset="0"/>
+                <a:cs typeface="Courier" charset="0"/>
+              </a:rPr>
+              <a:t>A ‘</a:t>
+            </a:r>
+            <a:r>
+              <a:rPr lang="en-US" sz="3200" dirty="0" err="1" smtClean="0">
+                <a:ea typeface="Courier" charset="0"/>
+                <a:cs typeface="Courier" charset="0"/>
+              </a:rPr>
+              <a:t>AbbAcab</a:t>
+            </a:r>
+            <a:r>
+              <a:rPr lang="en-US" sz="3200" dirty="0" smtClean="0">
+                <a:ea typeface="Courier" charset="0"/>
+                <a:cs typeface="Courier" charset="0"/>
+              </a:rPr>
+              <a:t>’</a:t>
+            </a:r>
+          </a:p>
+          <a:p>
+            <a:r>
+              <a:rPr lang="en-US" sz="3200" dirty="0">
+                <a:ea typeface="Courier" charset="0"/>
+                <a:cs typeface="Courier" charset="0"/>
+              </a:rPr>
+              <a:t> </a:t>
+            </a:r>
+            <a:r>
+              <a:rPr lang="en-US" sz="3200" dirty="0" smtClean="0">
+                <a:ea typeface="Courier" charset="0"/>
+                <a:cs typeface="Courier" charset="0"/>
+              </a:rPr>
+              <a:t>B ‘</a:t>
+            </a:r>
+            <a:r>
+              <a:rPr lang="en-US" sz="3200" dirty="0" err="1" smtClean="0">
+                <a:ea typeface="Courier" charset="0"/>
+                <a:cs typeface="Courier" charset="0"/>
+              </a:rPr>
+              <a:t>aBBaCAB</a:t>
+            </a:r>
+            <a:r>
+              <a:rPr lang="en-US" sz="3200" dirty="0" smtClean="0">
+                <a:ea typeface="Courier" charset="0"/>
+                <a:cs typeface="Courier" charset="0"/>
+              </a:rPr>
+              <a:t>’</a:t>
+            </a:r>
+          </a:p>
+          <a:p>
+            <a:r>
+              <a:rPr lang="en-US" sz="3200" dirty="0">
+                <a:ea typeface="Courier" charset="0"/>
+                <a:cs typeface="Courier" charset="0"/>
+              </a:rPr>
+              <a:t> </a:t>
+            </a:r>
+            <a:r>
+              <a:rPr lang="en-US" sz="3200" dirty="0" smtClean="0">
+                <a:ea typeface="Courier" charset="0"/>
+                <a:cs typeface="Courier" charset="0"/>
+              </a:rPr>
+              <a:t>C ‘</a:t>
+            </a:r>
+            <a:r>
+              <a:rPr lang="en-US" sz="3200" dirty="0" err="1" smtClean="0">
+                <a:ea typeface="Courier" charset="0"/>
+                <a:cs typeface="Courier" charset="0"/>
+              </a:rPr>
+              <a:t>abbacab</a:t>
+            </a:r>
+            <a:r>
+              <a:rPr lang="en-US" sz="3200" dirty="0" smtClean="0">
+                <a:ea typeface="Courier" charset="0"/>
+                <a:cs typeface="Courier" charset="0"/>
+              </a:rPr>
+              <a:t>’</a:t>
+            </a:r>
+          </a:p>
+          <a:p>
+            <a:r>
+              <a:rPr lang="en-US" sz="3200" dirty="0">
+                <a:ea typeface="Courier" charset="0"/>
+                <a:cs typeface="Courier" charset="0"/>
+              </a:rPr>
+              <a:t> </a:t>
+            </a:r>
+            <a:r>
+              <a:rPr lang="en-US" sz="3200" dirty="0" smtClean="0">
+                <a:ea typeface="Courier" charset="0"/>
+                <a:cs typeface="Courier" charset="0"/>
+              </a:rPr>
+              <a:t>D ‘ABBACAB’</a:t>
+            </a:r>
+          </a:p>
+        </p:txBody>
+      </p:sp>
+      <p:sp>
+        <p:nvSpPr>
+          <p:cNvPr id="10" name="Rectangle 9"/>
+          <p:cNvSpPr/>
+          <p:nvPr/>
+        </p:nvSpPr>
+        <p:spPr>
+          <a:xfrm>
+            <a:off x="0" y="6451738"/>
+            <a:ext cx="746551" cy="276999"/>
+          </a:xfrm>
+          <a:prstGeom prst="rect">
+            <a:avLst/>
+          </a:prstGeom>
+        </p:spPr>
+        <p:txBody>
+          <a:bodyPr wrap="none">
+            <a:spAutoFit/>
+          </a:bodyPr>
+          <a:lstStyle/>
+          <a:p>
+            <a:r>
+              <a:rPr lang="en-US" sz="1200" dirty="0">
                 <a:solidFill>
                   <a:srgbClr val="118EB0"/>
                 </a:solidFill>
               </a:rPr>
-              <a:t>1</a:t>
+              <a:t>M</a:t>
+            </a:r>
+            <a:r>
+              <a:rPr lang="en-US" sz="1200" smtClean="0">
+                <a:solidFill>
+                  <a:srgbClr val="118EB0"/>
+                </a:solidFill>
+              </a:rPr>
+              <a:t>ethods</a:t>
             </a:r>
             <a:endParaRPr lang="en-US" sz="1200" dirty="0">
               <a:solidFill>
@@ -10922,7 +11476,7 @@
     </p:spTree>
     <p:extLst>
       <p:ext uri="{BB962C8B-B14F-4D97-AF65-F5344CB8AC3E}">
-        <p14:creationId xmlns:p14="http://schemas.microsoft.com/office/powerpoint/2010/main" val="3177833125"/>
+        <p14:creationId xmlns:p14="http://schemas.microsoft.com/office/powerpoint/2010/main" val="98418088"/>
       </p:ext>
     </p:extLst>
   </p:cSld>
@@ -11191,53 +11745,13 @@
       </p:grpSpPr>
       <p:sp>
         <p:nvSpPr>
-          <p:cNvPr id="3" name="Content Placeholder 2"/>
-          <p:cNvSpPr>
-            <a:spLocks noGrp="1"/>
-          </p:cNvSpPr>
-          <p:nvPr>
-            <p:ph idx="1"/>
-          </p:nvPr>
-        </p:nvSpPr>
-        <p:spPr/>
-        <p:txBody>
-          <a:bodyPr/>
-          <a:lstStyle/>
-          <a:p>
-            <a:r>
-              <a:rPr lang="en-US" sz="2400" dirty="0" smtClean="0"/>
-              <a:t>We can explain our code using comments</a:t>
-            </a:r>
-          </a:p>
-          <a:p>
-            <a:r>
-              <a:rPr lang="en-US" sz="2400" dirty="0" smtClean="0"/>
-              <a:t>Begin with a # sign</a:t>
-            </a:r>
-          </a:p>
-          <a:p>
-            <a:r>
-              <a:rPr lang="en-US" sz="2400" dirty="0" smtClean="0"/>
-              <a:t>Python interpreter ignores the rest of the line</a:t>
-            </a:r>
-          </a:p>
-          <a:p>
-            <a:r>
-              <a:rPr lang="en-US" sz="2400" dirty="0" smtClean="0"/>
-              <a:t>Long comments can also be stored as triple-quoted string </a:t>
-            </a:r>
-          </a:p>
-        </p:txBody>
-      </p:sp>
-      <p:sp>
-        <p:nvSpPr>
           <p:cNvPr id="4" name="Rectangle 3"/>
           <p:cNvSpPr/>
           <p:nvPr/>
         </p:nvSpPr>
         <p:spPr>
           <a:xfrm>
-            <a:off x="0" y="-7550"/>
+            <a:off x="0" y="2586816"/>
             <a:ext cx="9144000" cy="1228835"/>
           </a:xfrm>
           <a:prstGeom prst="rect">
@@ -11269,15 +11783,12 @@
           <a:bodyPr rtlCol="0" anchor="ctr"/>
           <a:lstStyle/>
           <a:p>
-            <a:r>
-              <a:rPr lang="en-US" sz="4000" b="1" dirty="0" smtClean="0"/>
-              <a:t>   </a:t>
-            </a:r>
-            <a:r>
-              <a:rPr lang="en-US" sz="4000" i="1" dirty="0" smtClean="0"/>
+            <a:pPr algn="ctr"/>
+            <a:r>
+              <a:rPr lang="en-US" sz="4800" b="1" dirty="0" smtClean="0"/>
               <a:t>Comments</a:t>
             </a:r>
-            <a:endParaRPr lang="en-US" sz="4000" i="1" dirty="0"/>
+            <a:endParaRPr lang="en-US" sz="4800" b="1" dirty="0"/>
           </a:p>
         </p:txBody>
       </p:sp>
@@ -11335,7 +11846,7 @@
         <p:spPr>
           <a:xfrm>
             <a:off x="0" y="6451738"/>
-            <a:ext cx="864339" cy="276999"/>
+            <a:ext cx="862929" cy="276999"/>
           </a:xfrm>
           <a:prstGeom prst="rect">
             <a:avLst/>
@@ -11363,175 +11874,10 @@
           </a:p>
         </p:txBody>
       </p:sp>
-      <p:sp>
-        <p:nvSpPr>
-          <p:cNvPr id="7" name="TextBox 6"/>
-          <p:cNvSpPr txBox="1"/>
-          <p:nvPr/>
-        </p:nvSpPr>
-        <p:spPr>
-          <a:xfrm>
-            <a:off x="8869998" y="6453063"/>
-            <a:ext cx="262662" cy="276999"/>
-          </a:xfrm>
-          <a:prstGeom prst="rect">
-            <a:avLst/>
-          </a:prstGeom>
-          <a:noFill/>
-        </p:spPr>
-        <p:txBody>
-          <a:bodyPr wrap="none" rtlCol="0">
-            <a:spAutoFit/>
-          </a:bodyPr>
-          <a:lstStyle/>
-          <a:p>
-            <a:pPr algn="r"/>
-            <a:r>
-              <a:rPr lang="en-US" sz="1200" dirty="0" smtClean="0">
-                <a:solidFill>
-                  <a:srgbClr val="118EB0"/>
-                </a:solidFill>
-              </a:rPr>
-              <a:t>1</a:t>
-            </a:r>
-            <a:endParaRPr lang="en-US" sz="1200" dirty="0">
-              <a:solidFill>
-                <a:srgbClr val="118EB0"/>
-              </a:solidFill>
-            </a:endParaRPr>
-          </a:p>
-        </p:txBody>
-      </p:sp>
-      <p:sp>
-        <p:nvSpPr>
-          <p:cNvPr id="2" name="TextBox 1"/>
-          <p:cNvSpPr txBox="1"/>
-          <p:nvPr/>
-        </p:nvSpPr>
-        <p:spPr>
-          <a:xfrm>
-            <a:off x="821201" y="3635199"/>
-            <a:ext cx="7612301" cy="2585323"/>
-          </a:xfrm>
-          <a:prstGeom prst="rect">
-            <a:avLst/>
-          </a:prstGeom>
-          <a:noFill/>
-        </p:spPr>
-        <p:txBody>
-          <a:bodyPr wrap="square" rtlCol="0">
-            <a:spAutoFit/>
-          </a:bodyPr>
-          <a:lstStyle/>
-          <a:p>
-            <a:r>
-              <a:rPr lang="en-US" dirty="0">
-                <a:latin typeface="Courier"/>
-                <a:cs typeface="Courier"/>
-              </a:rPr>
-              <a:t>d</a:t>
-            </a:r>
-            <a:r>
-              <a:rPr lang="en-US" dirty="0" smtClean="0">
-                <a:latin typeface="Courier"/>
-                <a:cs typeface="Courier"/>
-              </a:rPr>
-              <a:t>x 	= 0.01		# grid spacing, m</a:t>
-            </a:r>
-          </a:p>
-          <a:p>
-            <a:r>
-              <a:rPr lang="en-US" dirty="0" smtClean="0">
-                <a:latin typeface="Courier"/>
-                <a:cs typeface="Courier"/>
-              </a:rPr>
-              <a:t>V 	= 14.2		# voltage, V</a:t>
-            </a:r>
-          </a:p>
-          <a:p>
-            <a:r>
-              <a:rPr lang="en-US" dirty="0" smtClean="0">
-                <a:latin typeface="Courier"/>
-                <a:cs typeface="Courier"/>
-              </a:rPr>
-              <a:t>“““</a:t>
-            </a:r>
-          </a:p>
-          <a:p>
-            <a:r>
-              <a:rPr lang="en-US" dirty="0" smtClean="0">
-                <a:latin typeface="Courier"/>
-                <a:cs typeface="Courier"/>
-              </a:rPr>
-              <a:t>This is an extended comment.</a:t>
-            </a:r>
-          </a:p>
-          <a:p>
-            <a:r>
-              <a:rPr lang="en-US" dirty="0" smtClean="0">
-                <a:latin typeface="Courier"/>
-                <a:cs typeface="Courier"/>
-              </a:rPr>
-              <a:t>It can be many lines long.</a:t>
-            </a:r>
-          </a:p>
-          <a:p>
-            <a:r>
-              <a:rPr lang="en-US" dirty="0" smtClean="0">
-                <a:latin typeface="Courier"/>
-                <a:cs typeface="Courier"/>
-              </a:rPr>
-              <a:t>Use this to explain functions or formulae</a:t>
-            </a:r>
-          </a:p>
-          <a:p>
-            <a:r>
-              <a:rPr lang="en-US" dirty="0">
-                <a:latin typeface="Courier"/>
-                <a:cs typeface="Courier"/>
-              </a:rPr>
-              <a:t>t</a:t>
-            </a:r>
-            <a:r>
-              <a:rPr lang="en-US" dirty="0" smtClean="0">
-                <a:latin typeface="Courier"/>
-                <a:cs typeface="Courier"/>
-              </a:rPr>
-              <a:t>o document code</a:t>
-            </a:r>
-          </a:p>
-          <a:p>
-            <a:r>
-              <a:rPr lang="en-US" dirty="0" smtClean="0">
-                <a:latin typeface="Courier"/>
-                <a:cs typeface="Courier"/>
-              </a:rPr>
-              <a:t>Or to temporarily hide blocks you don’t want to run. </a:t>
-            </a:r>
-            <a:endParaRPr lang="en-US" dirty="0">
-              <a:latin typeface="Courier"/>
-              <a:cs typeface="Courier"/>
-            </a:endParaRPr>
-          </a:p>
-          <a:p>
-            <a:r>
-              <a:rPr lang="en-US" dirty="0" smtClean="0">
-                <a:latin typeface="Courier"/>
-                <a:cs typeface="Courier"/>
-              </a:rPr>
-              <a:t>””” 	</a:t>
-            </a:r>
-            <a:endParaRPr lang="en-US" dirty="0">
-              <a:latin typeface="Courier"/>
-              <a:cs typeface="Courier"/>
-            </a:endParaRPr>
-          </a:p>
-        </p:txBody>
-      </p:sp>
     </p:spTree>
     <p:extLst>
       <p:ext uri="{BB962C8B-B14F-4D97-AF65-F5344CB8AC3E}">
-        <p14:creationId xmlns:p14="http://schemas.microsoft.com/office/powerpoint/2010/main" val="814027167"/>
+        <p14:creationId xmlns:p14="http://schemas.microsoft.com/office/powerpoint/2010/main" val="1000595513"/>
       </p:ext>
     </p:extLst>
   </p:cSld>
@@ -11567,13 +11913,50 @@
       </p:grpSpPr>
       <p:sp>
         <p:nvSpPr>
+          <p:cNvPr id="3" name="Content Placeholder 2"/>
+          <p:cNvSpPr>
+            <a:spLocks noGrp="1"/>
+          </p:cNvSpPr>
+          <p:nvPr>
+            <p:ph idx="1"/>
+          </p:nvPr>
+        </p:nvSpPr>
+        <p:spPr/>
+        <p:txBody>
+          <a:bodyPr/>
+          <a:lstStyle/>
+          <a:p>
+            <a:r>
+              <a:rPr lang="en-US" sz="2400" dirty="0" smtClean="0"/>
+              <a:t>We can explain our code using comments</a:t>
+            </a:r>
+          </a:p>
+          <a:p>
+            <a:r>
+              <a:rPr lang="en-US" sz="2400" dirty="0" smtClean="0"/>
+              <a:t>Begin with a # sign</a:t>
+            </a:r>
+          </a:p>
+          <a:p>
+            <a:r>
+              <a:rPr lang="en-US" sz="2400" dirty="0" smtClean="0"/>
+              <a:t>Python interpreter ignores the rest of the line</a:t>
+            </a:r>
+          </a:p>
+          <a:p>
+            <a:endParaRPr lang="en-US" sz="2400" dirty="0" smtClean="0"/>
+          </a:p>
+        </p:txBody>
+      </p:sp>
+      <p:sp>
+        <p:nvSpPr>
           <p:cNvPr id="4" name="Rectangle 3"/>
           <p:cNvSpPr/>
           <p:nvPr/>
         </p:nvSpPr>
         <p:spPr>
           <a:xfrm>
-            <a:off x="0" y="2586816"/>
+            <a:off x="0" y="-7550"/>
             <a:ext cx="9144000" cy="1228835"/>
           </a:xfrm>
           <a:prstGeom prst="rect">
@@ -11605,12 +11988,15 @@
           <a:bodyPr rtlCol="0" anchor="ctr"/>
           <a:lstStyle/>
           <a:p>
-            <a:pPr algn="ctr"/>
-            <a:r>
-              <a:rPr lang="en-US" sz="4800" b="1" dirty="0" smtClean="0"/>
-              <a:t>Reminders</a:t>
-            </a:r>
-            <a:endParaRPr lang="en-US" sz="4800" b="1" dirty="0"/>
+            <a:r>
+              <a:rPr lang="en-US" sz="4000" b="1" dirty="0" smtClean="0"/>
+              <a:t>   </a:t>
+            </a:r>
+            <a:r>
+              <a:rPr lang="en-US" sz="4000" i="1" dirty="0" smtClean="0"/>
+              <a:t>Comments</a:t>
+            </a:r>
+            <a:endParaRPr lang="en-US" sz="4000" i="1" dirty="0"/>
           </a:p>
         </p:txBody>
       </p:sp>
@@ -11686,7 +12072,7 @@
                   <a:srgbClr val="118EB0"/>
                 </a:solidFill>
               </a:rPr>
-              <a:t>Reminders</a:t>
+              <a:t>Comments</a:t>
             </a:r>
             <a:endParaRPr lang="en-US" sz="1200" dirty="0">
               <a:solidFill>
@@ -11735,10 +12121,71 @@
           </a:p>
         </p:txBody>
       </p:sp>
+      <p:sp>
+        <p:nvSpPr>
+          <p:cNvPr id="8" name="TextBox 7"/>
+          <p:cNvSpPr txBox="1"/>
+          <p:nvPr/>
+        </p:nvSpPr>
+        <p:spPr>
+          <a:xfrm>
+            <a:off x="765849" y="3176896"/>
+            <a:ext cx="7612301" cy="923330"/>
+          </a:xfrm>
+          <a:prstGeom prst="rect">
+            <a:avLst/>
+          </a:prstGeom>
+          <a:noFill/>
+        </p:spPr>
+        <p:txBody>
+          <a:bodyPr wrap="square" rtlCol="0">
+            <a:spAutoFit/>
+          </a:bodyPr>
+          <a:lstStyle/>
+          <a:p>
+            <a:r>
+              <a:rPr lang="en-US" dirty="0">
+                <a:latin typeface="Courier"/>
+                <a:cs typeface="Courier"/>
+              </a:rPr>
+              <a:t>d</a:t>
+            </a:r>
+            <a:r>
+              <a:rPr lang="en-US" dirty="0" smtClean="0">
+                <a:latin typeface="Courier"/>
+                <a:cs typeface="Courier"/>
+              </a:rPr>
+              <a:t>x 	= 0.01		# grid spacing, m</a:t>
+            </a:r>
+          </a:p>
+          <a:p>
+            <a:r>
+              <a:rPr lang="en-US" dirty="0" smtClean="0">
+                <a:latin typeface="Courier"/>
+                <a:cs typeface="Courier"/>
+              </a:rPr>
+              <a:t>V 	= 14.2		# voltage, V</a:t>
+            </a:r>
+          </a:p>
+          <a:p>
+            <a:r>
+              <a:rPr lang="en-US" dirty="0" smtClean="0">
+                <a:latin typeface="Courier"/>
+                <a:cs typeface="Courier"/>
+              </a:rPr>
+              <a:t>	</a:t>
+            </a:r>
+            <a:endParaRPr lang="en-US" dirty="0">
+              <a:latin typeface="Courier"/>
+              <a:cs typeface="Courier"/>
+            </a:endParaRPr>
+          </a:p>
+        </p:txBody>
+      </p:sp>
     </p:spTree>
     <p:extLst>
       <p:ext uri="{BB962C8B-B14F-4D97-AF65-F5344CB8AC3E}">
-        <p14:creationId xmlns:p14="http://schemas.microsoft.com/office/powerpoint/2010/main" val="2502909782"/>
+        <p14:creationId xmlns:p14="http://schemas.microsoft.com/office/powerpoint/2010/main" val="628401632"/>
       </p:ext>
     </p:extLst>
   </p:cSld>
@@ -11788,9 +12235,574 @@
           <a:lstStyle/>
           <a:p>
             <a:r>
-              <a:rPr lang="en-US" dirty="0" smtClean="0"/>
-              <a:t>Labs this Wednesday</a:t>
-            </a:r>
+              <a:rPr lang="en-US" sz="2400" dirty="0" smtClean="0"/>
+              <a:t>Long </a:t>
+            </a:r>
+            <a:r>
+              <a:rPr lang="en-US" sz="2400" dirty="0" smtClean="0"/>
+              <a:t>comments can also be stored as triple-quoted string </a:t>
+            </a:r>
+          </a:p>
+        </p:txBody>
+      </p:sp>
+      <p:sp>
+        <p:nvSpPr>
+          <p:cNvPr id="4" name="Rectangle 3"/>
+          <p:cNvSpPr/>
+          <p:nvPr/>
+        </p:nvSpPr>
+        <p:spPr>
+          <a:xfrm>
+            <a:off x="0" y="-7550"/>
+            <a:ext cx="9144000" cy="1228835"/>
+          </a:xfrm>
+          <a:prstGeom prst="rect">
+            <a:avLst/>
+          </a:prstGeom>
+          <a:solidFill>
+            <a:srgbClr val="3DBFDB"/>
+          </a:solidFill>
+          <a:ln>
+            <a:noFill/>
+          </a:ln>
+          <a:effectLst/>
+        </p:spPr>
+        <p:style>
+          <a:lnRef idx="1">
+            <a:schemeClr val="accent1"/>
+          </a:lnRef>
+          <a:fillRef idx="3">
+            <a:schemeClr val="accent1"/>
+          </a:fillRef>
+          <a:effectRef idx="2">
+            <a:schemeClr val="accent1"/>
+          </a:effectRef>
+          <a:fontRef idx="minor">
+            <a:schemeClr val="lt1"/>
+          </a:fontRef>
+        </p:style>
+        <p:txBody>
+          <a:bodyPr rtlCol="0" anchor="ctr"/>
+          <a:lstStyle/>
+          <a:p>
+            <a:r>
+              <a:rPr lang="en-US" sz="4000" b="1" dirty="0" smtClean="0"/>
+              <a:t>   </a:t>
+            </a:r>
+            <a:r>
+              <a:rPr lang="en-US" sz="4000" i="1" dirty="0" smtClean="0"/>
+              <a:t>Comments</a:t>
+            </a:r>
+            <a:endParaRPr lang="en-US" sz="4000" i="1" dirty="0"/>
+          </a:p>
+        </p:txBody>
+      </p:sp>
+      <p:sp>
+        <p:nvSpPr>
+          <p:cNvPr id="5" name="Rectangle 4"/>
+          <p:cNvSpPr/>
+          <p:nvPr/>
+        </p:nvSpPr>
+        <p:spPr>
+          <a:xfrm>
+            <a:off x="0" y="6737478"/>
+            <a:ext cx="9144000" cy="120522"/>
+          </a:xfrm>
+          <a:prstGeom prst="rect">
+            <a:avLst/>
+          </a:prstGeom>
+          <a:solidFill>
+            <a:srgbClr val="3DBFDB"/>
+          </a:solidFill>
+          <a:ln>
+            <a:noFill/>
+          </a:ln>
+          <a:effectLst/>
+        </p:spPr>
+        <p:style>
+          <a:lnRef idx="1">
+            <a:schemeClr val="accent1"/>
+          </a:lnRef>
+          <a:fillRef idx="3">
+            <a:schemeClr val="accent1"/>
+          </a:fillRef>
+          <a:effectRef idx="2">
+            <a:schemeClr val="accent1"/>
+          </a:effectRef>
+          <a:fontRef idx="minor">
+            <a:schemeClr val="lt1"/>
+          </a:fontRef>
+        </p:style>
+        <p:txBody>
+          <a:bodyPr rtlCol="0" anchor="ctr"/>
+          <a:lstStyle/>
+          <a:p>
+            <a:pPr algn="ctr"/>
+            <a:endParaRPr lang="en-US"/>
+          </a:p>
+        </p:txBody>
+      </p:sp>
+      <p:sp>
+        <p:nvSpPr>
+          <p:cNvPr id="6" name="Rectangle 5"/>
+          <p:cNvSpPr/>
+          <p:nvPr/>
+        </p:nvSpPr>
+        <p:spPr>
+          <a:xfrm>
+            <a:off x="0" y="6451738"/>
+            <a:ext cx="864339" cy="276999"/>
+          </a:xfrm>
+          <a:prstGeom prst="rect">
+            <a:avLst/>
+          </a:prstGeom>
+        </p:spPr>
+        <p:txBody>
+          <a:bodyPr wrap="none">
+            <a:spAutoFit/>
+          </a:bodyPr>
+          <a:lstStyle/>
+          <a:p>
+            <a:r>
+              <a:rPr lang="en-US" sz="1200" dirty="0" smtClean="0">
+                <a:solidFill>
+                  <a:srgbClr val="118EB0"/>
+                </a:solidFill>
+              </a:rPr>
+              <a:t>Comments</a:t>
+            </a:r>
+            <a:endParaRPr lang="en-US" sz="1200" dirty="0">
+              <a:solidFill>
+                <a:srgbClr val="118EB0"/>
+              </a:solidFill>
+            </a:endParaRPr>
+          </a:p>
+        </p:txBody>
+      </p:sp>
+      <p:sp>
+        <p:nvSpPr>
+          <p:cNvPr id="7" name="TextBox 6"/>
+          <p:cNvSpPr txBox="1"/>
+          <p:nvPr/>
+        </p:nvSpPr>
+        <p:spPr>
+          <a:xfrm>
+            <a:off x="8869998" y="6453063"/>
+            <a:ext cx="262662" cy="276999"/>
+          </a:xfrm>
+          <a:prstGeom prst="rect">
+            <a:avLst/>
+          </a:prstGeom>
+          <a:noFill/>
+        </p:spPr>
+        <p:txBody>
+          <a:bodyPr wrap="none" rtlCol="0">
+            <a:spAutoFit/>
+          </a:bodyPr>
+          <a:lstStyle/>
+          <a:p>
+            <a:pPr algn="r"/>
+            <a:r>
+              <a:rPr lang="en-US" sz="1200" dirty="0" smtClean="0">
+                <a:solidFill>
+                  <a:srgbClr val="118EB0"/>
+                </a:solidFill>
+              </a:rPr>
+              <a:t>1</a:t>
+            </a:r>
+            <a:endParaRPr lang="en-US" sz="1200" dirty="0">
+              <a:solidFill>
+                <a:srgbClr val="118EB0"/>
+              </a:solidFill>
+            </a:endParaRPr>
+          </a:p>
+        </p:txBody>
+      </p:sp>
+      <p:sp>
+        <p:nvSpPr>
+          <p:cNvPr id="8" name="TextBox 7"/>
+          <p:cNvSpPr txBox="1"/>
+          <p:nvPr/>
+        </p:nvSpPr>
+        <p:spPr>
+          <a:xfrm>
+            <a:off x="765849" y="3176896"/>
+            <a:ext cx="7612301" cy="2585323"/>
+          </a:xfrm>
+          <a:prstGeom prst="rect">
+            <a:avLst/>
+          </a:prstGeom>
+          <a:noFill/>
+        </p:spPr>
+        <p:txBody>
+          <a:bodyPr wrap="square" rtlCol="0">
+            <a:spAutoFit/>
+          </a:bodyPr>
+          <a:lstStyle/>
+          <a:p>
+            <a:r>
+              <a:rPr lang="en-US" dirty="0">
+                <a:latin typeface="Courier"/>
+                <a:cs typeface="Courier"/>
+              </a:rPr>
+              <a:t>d</a:t>
+            </a:r>
+            <a:r>
+              <a:rPr lang="en-US" dirty="0" smtClean="0">
+                <a:latin typeface="Courier"/>
+                <a:cs typeface="Courier"/>
+              </a:rPr>
+              <a:t>x 	= 0.01		# grid spacing, m</a:t>
+            </a:r>
+          </a:p>
+          <a:p>
+            <a:r>
+              <a:rPr lang="en-US" dirty="0" smtClean="0">
+                <a:latin typeface="Courier"/>
+                <a:cs typeface="Courier"/>
+              </a:rPr>
+              <a:t>V 	= 14.2		# voltage, V</a:t>
+            </a:r>
+          </a:p>
+          <a:p>
+            <a:r>
+              <a:rPr lang="en-US" dirty="0" smtClean="0">
+                <a:latin typeface="Courier"/>
+                <a:cs typeface="Courier"/>
+              </a:rPr>
+              <a:t>“““</a:t>
+            </a:r>
+          </a:p>
+          <a:p>
+            <a:r>
+              <a:rPr lang="en-US" dirty="0" smtClean="0">
+                <a:latin typeface="Courier"/>
+                <a:cs typeface="Courier"/>
+              </a:rPr>
+              <a:t>This is an extended comment.</a:t>
+            </a:r>
+          </a:p>
+          <a:p>
+            <a:r>
+              <a:rPr lang="en-US" dirty="0" smtClean="0">
+                <a:latin typeface="Courier"/>
+                <a:cs typeface="Courier"/>
+              </a:rPr>
+              <a:t>It can be many lines long.</a:t>
+            </a:r>
+          </a:p>
+          <a:p>
+            <a:r>
+              <a:rPr lang="en-US" dirty="0" smtClean="0">
+                <a:latin typeface="Courier"/>
+                <a:cs typeface="Courier"/>
+              </a:rPr>
+              <a:t>Use this to explain functions or formulae</a:t>
+            </a:r>
+          </a:p>
+          <a:p>
+            <a:r>
+              <a:rPr lang="en-US" dirty="0">
+                <a:latin typeface="Courier"/>
+                <a:cs typeface="Courier"/>
+              </a:rPr>
+              <a:t>t</a:t>
+            </a:r>
+            <a:r>
+              <a:rPr lang="en-US" dirty="0" smtClean="0">
+                <a:latin typeface="Courier"/>
+                <a:cs typeface="Courier"/>
+              </a:rPr>
+              <a:t>o document code</a:t>
+            </a:r>
+          </a:p>
+          <a:p>
+            <a:r>
+              <a:rPr lang="en-US" dirty="0" smtClean="0">
+                <a:latin typeface="Courier"/>
+                <a:cs typeface="Courier"/>
+              </a:rPr>
+              <a:t>Or to temporarily hide blocks you don’t want to run. </a:t>
+            </a:r>
+            <a:endParaRPr lang="en-US" dirty="0">
+              <a:latin typeface="Courier"/>
+              <a:cs typeface="Courier"/>
+            </a:endParaRPr>
+          </a:p>
+          <a:p>
+            <a:r>
+              <a:rPr lang="en-US" dirty="0" smtClean="0">
+                <a:latin typeface="Courier"/>
+                <a:cs typeface="Courier"/>
+              </a:rPr>
+              <a:t>””” 	</a:t>
+            </a:r>
+            <a:endParaRPr lang="en-US" dirty="0">
+              <a:latin typeface="Courier"/>
+              <a:cs typeface="Courier"/>
+            </a:endParaRPr>
+          </a:p>
+        </p:txBody>
+      </p:sp>
+    </p:spTree>
+    <p:extLst>
+      <p:ext uri="{BB962C8B-B14F-4D97-AF65-F5344CB8AC3E}">
+        <p14:creationId xmlns:p14="http://schemas.microsoft.com/office/powerpoint/2010/main" val="221653078"/>
+      </p:ext>
+    </p:extLst>
+  </p:cSld>
+  <p:clrMapOvr>
+    <a:masterClrMapping/>
+  </p:clrMapOvr>
+  <p:timing>
+    <p:tnLst>
+      <p:par>
+        <p:cTn id="1" dur="indefinite" restart="never" nodeType="tmRoot"/>
+      </p:par>
+    </p:tnLst>
+  </p:timing>
+</p:sld>
+</file>
+
+<file path=ppt/slides/slide33.xml><?xml version="1.0" encoding="utf-8"?>
+<p:sld xmlns:a="http://schemas.openxmlformats.org/drawingml/2006/main" xmlns:r="http://schemas.openxmlformats.org/officeDocument/2006/relationships" xmlns:p="http://schemas.openxmlformats.org/presentationml/2006/main">
+  <p:cSld>
+    <p:spTree>
+      <p:nvGrpSpPr>
+        <p:cNvPr id="1" name=""/>
+        <p:cNvGrpSpPr/>
+        <p:nvPr/>
+      </p:nvGrpSpPr>
+      <p:grpSpPr>
+        <a:xfrm>
+          <a:off x="0" y="0"/>
+          <a:ext cx="0" cy="0"/>
+          <a:chOff x="0" y="0"/>
+          <a:chExt cx="0" cy="0"/>
+        </a:xfrm>
+      </p:grpSpPr>
+      <p:sp>
+        <p:nvSpPr>
+          <p:cNvPr id="4" name="Rectangle 3"/>
+          <p:cNvSpPr/>
+          <p:nvPr/>
+        </p:nvSpPr>
+        <p:spPr>
+          <a:xfrm>
+            <a:off x="0" y="2586816"/>
+            <a:ext cx="9144000" cy="1228835"/>
+          </a:xfrm>
+          <a:prstGeom prst="rect">
+            <a:avLst/>
+          </a:prstGeom>
+          <a:solidFill>
+            <a:srgbClr val="3DBFDB"/>
+          </a:solidFill>
+          <a:ln>
+            <a:noFill/>
+          </a:ln>
+          <a:effectLst/>
+        </p:spPr>
+        <p:style>
+          <a:lnRef idx="1">
+            <a:schemeClr val="accent1"/>
+          </a:lnRef>
+          <a:fillRef idx="3">
+            <a:schemeClr val="accent1"/>
+          </a:fillRef>
+          <a:effectRef idx="2">
+            <a:schemeClr val="accent1"/>
+          </a:effectRef>
+          <a:fontRef idx="minor">
+            <a:schemeClr val="lt1"/>
+          </a:fontRef>
+        </p:style>
+        <p:txBody>
+          <a:bodyPr rtlCol="0" anchor="ctr"/>
+          <a:lstStyle/>
+          <a:p>
+            <a:pPr algn="ctr"/>
+            <a:r>
+              <a:rPr lang="en-US" sz="4800" b="1" dirty="0" smtClean="0"/>
+              <a:t>Reminders</a:t>
+            </a:r>
+            <a:endParaRPr lang="en-US" sz="4800" b="1" dirty="0"/>
+          </a:p>
+        </p:txBody>
+      </p:sp>
+      <p:sp>
+        <p:nvSpPr>
+          <p:cNvPr id="5" name="Rectangle 4"/>
+          <p:cNvSpPr/>
+          <p:nvPr/>
+        </p:nvSpPr>
+        <p:spPr>
+          <a:xfrm>
+            <a:off x="0" y="6737478"/>
+            <a:ext cx="9144000" cy="120522"/>
+          </a:xfrm>
+          <a:prstGeom prst="rect">
+            <a:avLst/>
+          </a:prstGeom>
+          <a:solidFill>
+            <a:srgbClr val="3DBFDB"/>
+          </a:solidFill>
+          <a:ln>
+            <a:noFill/>
+          </a:ln>
+          <a:effectLst/>
+        </p:spPr>
+        <p:style>
+          <a:lnRef idx="1">
+            <a:schemeClr val="accent1"/>
+          </a:lnRef>
+          <a:fillRef idx="3">
+            <a:schemeClr val="accent1"/>
+          </a:fillRef>
+          <a:effectRef idx="2">
+            <a:schemeClr val="accent1"/>
+          </a:effectRef>
+          <a:fontRef idx="minor">
+            <a:schemeClr val="lt1"/>
+          </a:fontRef>
+        </p:style>
+        <p:txBody>
+          <a:bodyPr rtlCol="0" anchor="ctr"/>
+          <a:lstStyle/>
+          <a:p>
+            <a:pPr algn="ctr"/>
+            <a:endParaRPr lang="en-US"/>
+          </a:p>
+        </p:txBody>
+      </p:sp>
+      <p:sp>
+        <p:nvSpPr>
+          <p:cNvPr id="6" name="Rectangle 5"/>
+          <p:cNvSpPr/>
+          <p:nvPr/>
+        </p:nvSpPr>
+        <p:spPr>
+          <a:xfrm>
+            <a:off x="0" y="6451738"/>
+            <a:ext cx="864339" cy="276999"/>
+          </a:xfrm>
+          <a:prstGeom prst="rect">
+            <a:avLst/>
+          </a:prstGeom>
+        </p:spPr>
+        <p:txBody>
+          <a:bodyPr wrap="none">
+            <a:spAutoFit/>
+          </a:bodyPr>
+          <a:lstStyle/>
+          <a:p>
+            <a:r>
+              <a:rPr lang="en-US" sz="1200" dirty="0" smtClean="0">
+                <a:solidFill>
+                  <a:srgbClr val="118EB0"/>
+                </a:solidFill>
+              </a:rPr>
+              <a:t>Reminders</a:t>
+            </a:r>
+            <a:endParaRPr lang="en-US" sz="1200" dirty="0">
+              <a:solidFill>
+                <a:srgbClr val="118EB0"/>
+              </a:solidFill>
+            </a:endParaRPr>
+          </a:p>
+        </p:txBody>
+      </p:sp>
+      <p:sp>
+        <p:nvSpPr>
+          <p:cNvPr id="7" name="TextBox 6"/>
+          <p:cNvSpPr txBox="1"/>
+          <p:nvPr/>
+        </p:nvSpPr>
+        <p:spPr>
+          <a:xfrm>
+            <a:off x="8869998" y="6453063"/>
+            <a:ext cx="262662" cy="276999"/>
+          </a:xfrm>
+          <a:prstGeom prst="rect">
+            <a:avLst/>
+          </a:prstGeom>
+          <a:noFill/>
+        </p:spPr>
+        <p:txBody>
+          <a:bodyPr wrap="none" rtlCol="0">
+            <a:spAutoFit/>
+          </a:bodyPr>
+          <a:lstStyle/>
+          <a:p>
+            <a:pPr algn="r"/>
+            <a:r>
+              <a:rPr lang="en-US" sz="1200" dirty="0" smtClean="0">
+                <a:solidFill>
+                  <a:srgbClr val="118EB0"/>
+                </a:solidFill>
+              </a:rPr>
+              <a:t>1</a:t>
+            </a:r>
+            <a:endParaRPr lang="en-US" sz="1200" dirty="0">
+              <a:solidFill>
+                <a:srgbClr val="118EB0"/>
+              </a:solidFill>
+            </a:endParaRPr>
+          </a:p>
+        </p:txBody>
+      </p:sp>
+    </p:spTree>
+    <p:extLst>
+      <p:ext uri="{BB962C8B-B14F-4D97-AF65-F5344CB8AC3E}">
+        <p14:creationId xmlns:p14="http://schemas.microsoft.com/office/powerpoint/2010/main" val="2502909782"/>
+      </p:ext>
+    </p:extLst>
+  </p:cSld>
+  <p:clrMapOvr>
+    <a:masterClrMapping/>
+  </p:clrMapOvr>
+  <p:timing>
+    <p:tnLst>
+      <p:par>
+        <p:cTn id="1" dur="indefinite" restart="never" nodeType="tmRoot"/>
+      </p:par>
+    </p:tnLst>
+  </p:timing>
+</p:sld>
+</file>
+
+<file path=ppt/slides/slide34.xml><?xml version="1.0" encoding="utf-8"?>
+<p:sld xmlns:a="http://schemas.openxmlformats.org/drawingml/2006/main" xmlns:r="http://schemas.openxmlformats.org/officeDocument/2006/relationships" xmlns:p="http://schemas.openxmlformats.org/presentationml/2006/main">
+  <p:cSld>
+    <p:spTree>
+      <p:nvGrpSpPr>
+        <p:cNvPr id="1" name=""/>
+        <p:cNvGrpSpPr/>
+        <p:nvPr/>
+      </p:nvGrpSpPr>
+      <p:grpSpPr>
+        <a:xfrm>
+          <a:off x="0" y="0"/>
+          <a:ext cx="0" cy="0"/>
+          <a:chOff x="0" y="0"/>
+          <a:chExt cx="0" cy="0"/>
+        </a:xfrm>
+      </p:grpSpPr>
+      <p:sp>
+        <p:nvSpPr>
+          <p:cNvPr id="3" name="Content Placeholder 2"/>
+          <p:cNvSpPr>
+            <a:spLocks noGrp="1"/>
+          </p:cNvSpPr>
+          <p:nvPr>
+            <p:ph idx="1"/>
+          </p:nvPr>
+        </p:nvSpPr>
+        <p:spPr/>
+        <p:txBody>
+          <a:bodyPr/>
+          <a:lstStyle/>
+          <a:p>
             <a:endParaRPr lang="en-US" dirty="0"/>
           </a:p>
         </p:txBody>
@@ -12318,7 +13330,7 @@
         <p:spPr>
           <a:xfrm>
             <a:off x="0" y="6451738"/>
-            <a:ext cx="1037664" cy="276999"/>
+            <a:ext cx="753668" cy="276999"/>
           </a:xfrm>
           <a:prstGeom prst="rect">
             <a:avLst/>
@@ -12336,7 +13348,7 @@
                   <a:srgbClr val="118EB0"/>
                 </a:solidFill>
               </a:rPr>
-              <a:t>Administrivia</a:t>
+              <a:t>Question</a:t>
             </a:r>
             <a:endParaRPr lang="en-US" sz="1200" dirty="0">
               <a:solidFill>
@@ -12634,32 +13646,34 @@
       </p:sp>
       <p:sp>
         <p:nvSpPr>
-          <p:cNvPr id="6" name="Rectangle 5"/>
-          <p:cNvSpPr/>
+          <p:cNvPr id="7" name="TextBox 6"/>
+          <p:cNvSpPr txBox="1"/>
           <p:nvPr/>
         </p:nvSpPr>
         <p:spPr>
           <a:xfrm>
-            <a:off x="0" y="6451738"/>
-            <a:ext cx="1037664" cy="276999"/>
-          </a:xfrm>
-          <a:prstGeom prst="rect">
-            <a:avLst/>
-          </a:prstGeom>
-        </p:spPr>
-        <p:txBody>
-          <a:bodyPr wrap="none">
+            <a:off x="8869998" y="6453063"/>
+            <a:ext cx="262662" cy="276999"/>
+          </a:xfrm>
+          <a:prstGeom prst="rect">
+            <a:avLst/>
+          </a:prstGeom>
+          <a:noFill/>
+        </p:spPr>
+        <p:txBody>
+          <a:bodyPr wrap="none" rtlCol="0">
             <a:spAutoFit/>
           </a:bodyPr>
           <a:lstStyle/>
           <a:p>
+            <a:pPr algn="r"/>
             <a:r>
               <a:rPr lang="en-US" sz="1200" dirty="0" smtClean="0">
                 <a:solidFill>
                   <a:srgbClr val="118EB0"/>
                 </a:solidFill>
               </a:rPr>
-              <a:t>Administrivia</a:t>
+              <a:t>1</a:t>
             </a:r>
             <a:endParaRPr lang="en-US" sz="1200" dirty="0">
               <a:solidFill>
@@ -12671,14 +13685,14 @@
       </p:sp>
       <p:sp>
         <p:nvSpPr>
-          <p:cNvPr id="7" name="TextBox 6"/>
+          <p:cNvPr id="8" name="TextBox 7"/>
           <p:cNvSpPr txBox="1"/>
           <p:nvPr/>
         </p:nvSpPr>
         <p:spPr>
           <a:xfrm>
-            <a:off x="8869998" y="6453063"/>
-            <a:ext cx="262662" cy="276999"/>
+            <a:off x="831272" y="2315688"/>
+            <a:ext cx="6032666" cy="2308324"/>
           </a:xfrm>
           <a:prstGeom prst="rect">
             <a:avLst/>
@@ -12686,150 +13700,148 @@
           <a:noFill/>
         </p:spPr>
         <p:txBody>
-          <a:bodyPr wrap="none" rtlCol="0">
+          <a:bodyPr wrap="square" rtlCol="0">
             <a:spAutoFit/>
           </a:bodyPr>
           <a:lstStyle/>
           <a:p>
-            <a:pPr algn="r"/>
+            <a:r>
+              <a:rPr lang="en-US" dirty="0">
+                <a:latin typeface="Courier" charset="0"/>
+                <a:ea typeface="Courier" charset="0"/>
+                <a:cs typeface="Courier" charset="0"/>
+              </a:rPr>
+              <a:t>a</a:t>
+            </a:r>
+            <a:r>
+              <a:rPr lang="en-US" dirty="0" smtClean="0">
+                <a:latin typeface="Courier" charset="0"/>
+                <a:ea typeface="Courier" charset="0"/>
+                <a:cs typeface="Courier" charset="0"/>
+              </a:rPr>
+              <a:t> = 5</a:t>
+            </a:r>
+          </a:p>
+          <a:p>
+            <a:r>
+              <a:rPr lang="en-US" dirty="0" smtClean="0">
+                <a:latin typeface="Courier" charset="0"/>
+                <a:ea typeface="Courier" charset="0"/>
+                <a:cs typeface="Courier" charset="0"/>
+              </a:rPr>
+              <a:t>b = ‘hello world!’</a:t>
+            </a:r>
+          </a:p>
+          <a:p>
+            <a:endParaRPr lang="en-US" dirty="0">
+              <a:latin typeface="Courier" charset="0"/>
+              <a:ea typeface="Courier" charset="0"/>
+              <a:cs typeface="Courier" charset="0"/>
+            </a:endParaRPr>
+          </a:p>
+          <a:p>
+            <a:r>
+              <a:rPr lang="en-US" dirty="0" smtClean="0">
+                <a:latin typeface="Courier" charset="0"/>
+                <a:ea typeface="Courier" charset="0"/>
+                <a:cs typeface="Courier" charset="0"/>
+              </a:rPr>
+              <a:t>x = (a &gt; </a:t>
+            </a:r>
+            <a:r>
+              <a:rPr lang="en-US" dirty="0">
+                <a:latin typeface="Courier" charset="0"/>
+                <a:ea typeface="Courier" charset="0"/>
+                <a:cs typeface="Courier" charset="0"/>
+              </a:rPr>
+              <a:t>0</a:t>
+            </a:r>
+            <a:r>
+              <a:rPr lang="en-US" dirty="0" smtClean="0">
+                <a:latin typeface="Courier" charset="0"/>
+                <a:ea typeface="Courier" charset="0"/>
+                <a:cs typeface="Courier" charset="0"/>
+              </a:rPr>
+              <a:t>) and (b[len(b)] == ‘!’)</a:t>
+            </a:r>
+          </a:p>
+          <a:p>
+            <a:endParaRPr lang="en-US" dirty="0">
+              <a:latin typeface="Courier" charset="0"/>
+              <a:ea typeface="Courier" charset="0"/>
+              <a:cs typeface="Courier" charset="0"/>
+            </a:endParaRPr>
+          </a:p>
+          <a:p>
+            <a:r>
+              <a:rPr lang="en-US" dirty="0" smtClean="0">
+                <a:ea typeface="Courier" charset="0"/>
+                <a:cs typeface="Courier" charset="0"/>
+              </a:rPr>
+              <a:t>What is the value of x?</a:t>
+            </a:r>
+          </a:p>
+          <a:p>
+            <a:r>
+              <a:rPr lang="en-US" dirty="0" smtClean="0">
+                <a:ea typeface="Courier" charset="0"/>
+                <a:cs typeface="Courier" charset="0"/>
+              </a:rPr>
+              <a:t>  A True</a:t>
+            </a:r>
+          </a:p>
+          <a:p>
+            <a:r>
+              <a:rPr lang="en-US" dirty="0">
+                <a:ea typeface="Courier" charset="0"/>
+                <a:cs typeface="Courier" charset="0"/>
+              </a:rPr>
+              <a:t> </a:t>
+            </a:r>
+            <a:r>
+              <a:rPr lang="en-US" dirty="0" smtClean="0">
+                <a:ea typeface="Courier" charset="0"/>
+                <a:cs typeface="Courier" charset="0"/>
+              </a:rPr>
+              <a:t> B False</a:t>
+            </a:r>
+          </a:p>
+        </p:txBody>
+      </p:sp>
+      <p:sp>
+        <p:nvSpPr>
+          <p:cNvPr id="9" name="Rectangle 8"/>
+          <p:cNvSpPr/>
+          <p:nvPr/>
+        </p:nvSpPr>
+        <p:spPr>
+          <a:xfrm>
+            <a:off x="0" y="6451738"/>
+            <a:ext cx="753668" cy="276999"/>
+          </a:xfrm>
+          <a:prstGeom prst="rect">
+            <a:avLst/>
+          </a:prstGeom>
+        </p:spPr>
+        <p:txBody>
+          <a:bodyPr wrap="none">
+            <a:spAutoFit/>
+          </a:bodyPr>
+          <a:lstStyle/>
+          <a:p>
             <a:r>
               <a:rPr lang="en-US" sz="1200" dirty="0" smtClean="0">
                 <a:solidFill>
                   <a:srgbClr val="118EB0"/>
                 </a:solidFill>
               </a:rPr>
-              <a:t>1</a:t>
+              <a:t>Question</a:t>
             </a:r>
             <a:endParaRPr lang="en-US" sz="1200" dirty="0">
               <a:solidFill>
                 <a:srgbClr val="118EB0"/>
               </a:solidFill>
             </a:endParaRPr>
-          </a:p>
-        </p:txBody>
-      </p:sp>
-      <p:sp>
-        <p:nvSpPr>
-          <p:cNvPr id="8" name="TextBox 7"/>
-          <p:cNvSpPr txBox="1"/>
-          <p:nvPr/>
-        </p:nvSpPr>
-        <p:spPr>
-          <a:xfrm>
-            <a:off x="831272" y="2315688"/>
-            <a:ext cx="6032666" cy="2308324"/>
-          </a:xfrm>
-          <a:prstGeom prst="rect">
-            <a:avLst/>
-          </a:prstGeom>
-          <a:noFill/>
-        </p:spPr>
-        <p:txBody>
-          <a:bodyPr wrap="square" rtlCol="0">
-            <a:spAutoFit/>
-          </a:bodyPr>
-          <a:lstStyle/>
-          <a:p>
-            <a:r>
-              <a:rPr lang="en-US" dirty="0">
-                <a:latin typeface="Courier" charset="0"/>
-                <a:ea typeface="Courier" charset="0"/>
-                <a:cs typeface="Courier" charset="0"/>
-              </a:rPr>
-              <a:t>a</a:t>
-            </a:r>
-            <a:r>
-              <a:rPr lang="en-US" dirty="0" smtClean="0">
-                <a:latin typeface="Courier" charset="0"/>
-                <a:ea typeface="Courier" charset="0"/>
-                <a:cs typeface="Courier" charset="0"/>
-              </a:rPr>
-              <a:t> = 5</a:t>
-            </a:r>
-          </a:p>
-          <a:p>
-            <a:r>
-              <a:rPr lang="en-US" dirty="0" smtClean="0">
-                <a:latin typeface="Courier" charset="0"/>
-                <a:ea typeface="Courier" charset="0"/>
-                <a:cs typeface="Courier" charset="0"/>
-              </a:rPr>
-              <a:t>b = ‘hello world!’</a:t>
-            </a:r>
-          </a:p>
-          <a:p>
-            <a:endParaRPr lang="en-US" dirty="0">
-              <a:latin typeface="Courier" charset="0"/>
-              <a:ea typeface="Courier" charset="0"/>
-              <a:cs typeface="Courier" charset="0"/>
-            </a:endParaRPr>
-          </a:p>
-          <a:p>
-            <a:r>
-              <a:rPr lang="en-US" dirty="0" smtClean="0">
-                <a:latin typeface="Courier" charset="0"/>
-                <a:ea typeface="Courier" charset="0"/>
-                <a:cs typeface="Courier" charset="0"/>
-              </a:rPr>
-              <a:t>x = (a &gt; </a:t>
-            </a:r>
-            <a:r>
-              <a:rPr lang="en-US" dirty="0">
-                <a:latin typeface="Courier" charset="0"/>
-                <a:ea typeface="Courier" charset="0"/>
-                <a:cs typeface="Courier" charset="0"/>
-              </a:rPr>
-              <a:t>0</a:t>
-            </a:r>
-            <a:r>
-              <a:rPr lang="en-US" dirty="0" smtClean="0">
-                <a:latin typeface="Courier" charset="0"/>
-                <a:ea typeface="Courier" charset="0"/>
-                <a:cs typeface="Courier" charset="0"/>
-              </a:rPr>
-              <a:t>) and (b[len(b)] == ‘!’)</a:t>
-            </a:r>
-          </a:p>
-          <a:p>
-            <a:endParaRPr lang="en-US" dirty="0">
-              <a:latin typeface="Courier" charset="0"/>
-              <a:ea typeface="Courier" charset="0"/>
-              <a:cs typeface="Courier" charset="0"/>
-            </a:endParaRPr>
-          </a:p>
-          <a:p>
-            <a:r>
-              <a:rPr lang="en-US" dirty="0" smtClean="0">
-                <a:ea typeface="Courier" charset="0"/>
-                <a:cs typeface="Courier" charset="0"/>
-              </a:rPr>
-              <a:t>What is the value of x?</a:t>
-            </a:r>
-          </a:p>
-          <a:p>
-            <a:r>
-              <a:rPr lang="en-US" dirty="0" smtClean="0">
-                <a:ea typeface="Courier" charset="0"/>
-                <a:cs typeface="Courier" charset="0"/>
-              </a:rPr>
-              <a:t>  A True</a:t>
-            </a:r>
-          </a:p>
-          <a:p>
-            <a:r>
-              <a:rPr lang="en-US" dirty="0">
-                <a:ea typeface="Courier" charset="0"/>
-                <a:cs typeface="Courier" charset="0"/>
-              </a:rPr>
-              <a:t> </a:t>
-            </a:r>
-            <a:r>
-              <a:rPr lang="en-US" dirty="0" smtClean="0">
-                <a:ea typeface="Courier" charset="0"/>
-                <a:cs typeface="Courier" charset="0"/>
-              </a:rPr>
-              <a:t> B False</a:t>
-            </a:r>
           </a:p>
         </p:txBody>
       </p:sp>
@@ -12916,8 +13928,8 @@
               <a:t>Functions </a:t>
             </a:r>
             <a:r>
-              <a:rPr lang="en-US" sz="4800" b="1" dirty="0" err="1" smtClean="0"/>
-              <a:t>cont.d</a:t>
+              <a:rPr lang="en-US" sz="4800" b="1" dirty="0" smtClean="0"/>
+              <a:t>wrap-up</a:t>
             </a:r>
             <a:endParaRPr lang="en-US" sz="4800" b="1" dirty="0"/>
           </a:p>
@@ -12977,7 +13989,7 @@
         <p:spPr>
           <a:xfrm>
             <a:off x="0" y="6451738"/>
-            <a:ext cx="1213343" cy="276999"/>
+            <a:ext cx="790601" cy="276999"/>
           </a:xfrm>
           <a:prstGeom prst="rect">
             <a:avLst/>
@@ -12990,20 +14002,12 @@
           <a:lstStyle/>
           <a:p>
             <a:r>
-              <a:rPr lang="en-US" sz="1200" dirty="0" smtClean="0">
+              <a:rPr lang="en-US" sz="1200" smtClean="0">
                 <a:solidFill>
                   <a:srgbClr val="118EB0"/>
                 </a:solidFill>
               </a:rPr>
-              <a:t>Functions </a:t>
-            </a:r>
-            <a:r>
-              <a:rPr lang="en-US" sz="1200" dirty="0" err="1" smtClean="0">
-                <a:solidFill>
-                  <a:srgbClr val="118EB0"/>
-                </a:solidFill>
-              </a:rPr>
-              <a:t>Redux</a:t>
+              <a:t>Functions</a:t>
             </a:r>
             <a:endParaRPr lang="en-US" sz="1200" dirty="0">
               <a:solidFill>
@@ -13207,14 +14211,14 @@
       </p:sp>
       <p:sp>
         <p:nvSpPr>
-          <p:cNvPr id="6" name="Rectangle 5"/>
+          <p:cNvPr id="7" name="Rectangle 6"/>
           <p:cNvSpPr/>
           <p:nvPr/>
         </p:nvSpPr>
         <p:spPr>
           <a:xfrm>
             <a:off x="0" y="6451738"/>
-            <a:ext cx="705642" cy="276999"/>
+            <a:ext cx="790601" cy="276999"/>
           </a:xfrm>
           <a:prstGeom prst="rect">
             <a:avLst/>
@@ -13227,13 +14231,18 @@
           <a:lstStyle/>
           <a:p>
             <a:r>
-              <a:rPr lang="en-US" sz="1200" dirty="0">
+              <a:rPr lang="en-US" sz="1200" smtClean="0">
                 <a:solidFill>
                   <a:srgbClr val="118EB0"/>
                 </a:solidFill>
               </a:rPr>
-              <a:t>function</a:t>
-            </a:r>
+              <a:t>Functions</a:t>
+            </a:r>
+            <a:endParaRPr lang="en-US" sz="1200" dirty="0">
+              <a:solidFill>
+                <a:srgbClr val="118EB0"/>
+              </a:solidFill>
+            </a:endParaRPr>
           </a:p>
         </p:txBody>
       </p:sp>
@@ -13429,14 +14438,14 @@
       </p:sp>
       <p:sp>
         <p:nvSpPr>
-          <p:cNvPr id="6" name="Rectangle 5"/>
+          <p:cNvPr id="7" name="Rectangle 6"/>
           <p:cNvSpPr/>
           <p:nvPr/>
         </p:nvSpPr>
         <p:spPr>
           <a:xfrm>
             <a:off x="0" y="6451738"/>
-            <a:ext cx="705642" cy="276999"/>
+            <a:ext cx="790601" cy="276999"/>
           </a:xfrm>
           <a:prstGeom prst="rect">
             <a:avLst/>
@@ -13449,13 +14458,18 @@
           <a:lstStyle/>
           <a:p>
             <a:r>
-              <a:rPr lang="en-US" sz="1200" dirty="0">
+              <a:rPr lang="en-US" sz="1200" smtClean="0">
                 <a:solidFill>
                   <a:srgbClr val="118EB0"/>
                 </a:solidFill>
               </a:rPr>
-              <a:t>function</a:t>
-            </a:r>
+              <a:t>Functions</a:t>
+            </a:r>
+            <a:endParaRPr lang="en-US" sz="1200" dirty="0">
+              <a:solidFill>
+                <a:srgbClr val="118EB0"/>
+              </a:solidFill>
+            </a:endParaRPr>
           </a:p>
         </p:txBody>
       </p:sp>
